--- a/m8/ppt/презентация.pptx
+++ b/m8/ppt/презентация.pptx
@@ -6,18 +6,29 @@
     <p:sldMasterId id="2147483681" r:id="rId2"/>
   </p:sldMasterIdLst>
   <p:notesMasterIdLst>
-    <p:notesMasterId r:id="rId12"/>
+    <p:notesMasterId r:id="rId23"/>
   </p:notesMasterIdLst>
   <p:sldIdLst>
     <p:sldId id="431" r:id="rId3"/>
     <p:sldId id="434" r:id="rId4"/>
-    <p:sldId id="503" r:id="rId5"/>
-    <p:sldId id="504" r:id="rId6"/>
-    <p:sldId id="257" r:id="rId7"/>
-    <p:sldId id="429" r:id="rId8"/>
-    <p:sldId id="505" r:id="rId9"/>
-    <p:sldId id="430" r:id="rId10"/>
-    <p:sldId id="363" r:id="rId11"/>
+    <p:sldId id="285" r:id="rId5"/>
+    <p:sldId id="292" r:id="rId6"/>
+    <p:sldId id="293" r:id="rId7"/>
+    <p:sldId id="294" r:id="rId8"/>
+    <p:sldId id="299" r:id="rId9"/>
+    <p:sldId id="290" r:id="rId10"/>
+    <p:sldId id="298" r:id="rId11"/>
+    <p:sldId id="432" r:id="rId12"/>
+    <p:sldId id="506" r:id="rId13"/>
+    <p:sldId id="507" r:id="rId14"/>
+    <p:sldId id="508" r:id="rId15"/>
+    <p:sldId id="503" r:id="rId16"/>
+    <p:sldId id="504" r:id="rId17"/>
+    <p:sldId id="257" r:id="rId18"/>
+    <p:sldId id="429" r:id="rId19"/>
+    <p:sldId id="505" r:id="rId20"/>
+    <p:sldId id="430" r:id="rId21"/>
+    <p:sldId id="363" r:id="rId22"/>
   </p:sldIdLst>
   <p:sldSz cx="9144000" cy="5143500" type="screen16x9"/>
   <p:notesSz cx="7559675" cy="10691813"/>
@@ -206,7 +217,7 @@
           <a:p>
             <a:fld id="{7A6A0595-55A8-48ED-89D9-94EF8A794717}" type="datetimeFigureOut">
               <a:rPr lang="ru-RU" smtClean="0"/>
-              <a:t>07.11.2024</a:t>
+              <a:t>17.11.2024</a:t>
             </a:fld>
             <a:endParaRPr lang="ru-RU"/>
           </a:p>
@@ -473,6 +484,366 @@
 </p:notesMaster>
 </file>
 
+<file path=ppt/notesSlides/notesSlide1.xml><?xml version="1.0" encoding="utf-8"?>
+<p:notes xmlns:a="http://schemas.openxmlformats.org/drawingml/2006/main" xmlns:r="http://schemas.openxmlformats.org/officeDocument/2006/relationships" xmlns:p="http://schemas.openxmlformats.org/presentationml/2006/main">
+  <p:cSld>
+    <p:spTree>
+      <p:nvGrpSpPr>
+        <p:cNvPr id="1" name=""/>
+        <p:cNvGrpSpPr/>
+        <p:nvPr/>
+      </p:nvGrpSpPr>
+      <p:grpSpPr>
+        <a:xfrm>
+          <a:off x="0" y="0"/>
+          <a:ext cx="0" cy="0"/>
+          <a:chOff x="0" y="0"/>
+          <a:chExt cx="0" cy="0"/>
+        </a:xfrm>
+      </p:grpSpPr>
+      <p:sp>
+        <p:nvSpPr>
+          <p:cNvPr id="2" name="Образ слайда 1"/>
+          <p:cNvSpPr>
+            <a:spLocks noGrp="1" noRot="1" noChangeAspect="1"/>
+          </p:cNvSpPr>
+          <p:nvPr>
+            <p:ph type="sldImg"/>
+          </p:nvPr>
+        </p:nvSpPr>
+        <p:spPr/>
+      </p:sp>
+      <p:sp>
+        <p:nvSpPr>
+          <p:cNvPr id="3" name="Заметки 2"/>
+          <p:cNvSpPr>
+            <a:spLocks noGrp="1"/>
+          </p:cNvSpPr>
+          <p:nvPr>
+            <p:ph type="body" idx="1"/>
+          </p:nvPr>
+        </p:nvSpPr>
+        <p:spPr/>
+        <p:txBody>
+          <a:bodyPr>
+            <a:normAutofit/>
+          </a:bodyPr>
+          <a:lstStyle/>
+          <a:p>
+            <a:r>
+              <a:rPr lang="en-US" dirty="0"/>
+              <a:t>https</a:t>
+            </a:r>
+            <a:r>
+              <a:rPr lang="en-US"/>
+              <a:t>://python-scripts.com/scope</a:t>
+            </a:r>
+            <a:endParaRPr lang="ru-RU" dirty="0"/>
+          </a:p>
+        </p:txBody>
+      </p:sp>
+      <p:sp>
+        <p:nvSpPr>
+          <p:cNvPr id="4" name="Номер слайда 3"/>
+          <p:cNvSpPr>
+            <a:spLocks noGrp="1"/>
+          </p:cNvSpPr>
+          <p:nvPr>
+            <p:ph type="sldNum" sz="quarter" idx="10"/>
+          </p:nvPr>
+        </p:nvSpPr>
+        <p:spPr/>
+        <p:txBody>
+          <a:bodyPr/>
+          <a:lstStyle/>
+          <a:p>
+            <a:fld id="{5CFA294B-FE41-4427-A7F6-0AF3C028BF82}" type="slidenum">
+              <a:rPr lang="ru-RU" smtClean="0"/>
+              <a:pPr/>
+              <a:t>6</a:t>
+            </a:fld>
+            <a:endParaRPr lang="ru-RU"/>
+          </a:p>
+        </p:txBody>
+      </p:sp>
+    </p:spTree>
+  </p:cSld>
+  <p:clrMapOvr>
+    <a:masterClrMapping/>
+  </p:clrMapOvr>
+</p:notes>
+</file>
+
+<file path=ppt/notesSlides/notesSlide2.xml><?xml version="1.0" encoding="utf-8"?>
+<p:notes xmlns:a="http://schemas.openxmlformats.org/drawingml/2006/main" xmlns:r="http://schemas.openxmlformats.org/officeDocument/2006/relationships" xmlns:p="http://schemas.openxmlformats.org/presentationml/2006/main">
+  <p:cSld>
+    <p:spTree>
+      <p:nvGrpSpPr>
+        <p:cNvPr id="1" name=""/>
+        <p:cNvGrpSpPr/>
+        <p:nvPr/>
+      </p:nvGrpSpPr>
+      <p:grpSpPr>
+        <a:xfrm>
+          <a:off x="0" y="0"/>
+          <a:ext cx="0" cy="0"/>
+          <a:chOff x="0" y="0"/>
+          <a:chExt cx="0" cy="0"/>
+        </a:xfrm>
+      </p:grpSpPr>
+      <p:sp>
+        <p:nvSpPr>
+          <p:cNvPr id="2" name="Образ слайда 1"/>
+          <p:cNvSpPr>
+            <a:spLocks noGrp="1" noRot="1" noChangeAspect="1"/>
+          </p:cNvSpPr>
+          <p:nvPr>
+            <p:ph type="sldImg"/>
+          </p:nvPr>
+        </p:nvSpPr>
+        <p:spPr/>
+      </p:sp>
+      <p:sp>
+        <p:nvSpPr>
+          <p:cNvPr id="3" name="Заметки 2"/>
+          <p:cNvSpPr>
+            <a:spLocks noGrp="1"/>
+          </p:cNvSpPr>
+          <p:nvPr>
+            <p:ph type="body" idx="1"/>
+          </p:nvPr>
+        </p:nvSpPr>
+        <p:spPr/>
+        <p:txBody>
+          <a:bodyPr>
+            <a:normAutofit/>
+          </a:bodyPr>
+          <a:lstStyle/>
+          <a:p>
+            <a:r>
+              <a:rPr lang="en-US" dirty="0"/>
+              <a:t>https://habr.com/post/335866/</a:t>
+            </a:r>
+            <a:endParaRPr lang="ru-RU" dirty="0"/>
+          </a:p>
+        </p:txBody>
+      </p:sp>
+      <p:sp>
+        <p:nvSpPr>
+          <p:cNvPr id="4" name="Номер слайда 3"/>
+          <p:cNvSpPr>
+            <a:spLocks noGrp="1"/>
+          </p:cNvSpPr>
+          <p:nvPr>
+            <p:ph type="sldNum" sz="quarter" idx="10"/>
+          </p:nvPr>
+        </p:nvSpPr>
+        <p:spPr/>
+        <p:txBody>
+          <a:bodyPr/>
+          <a:lstStyle/>
+          <a:p>
+            <a:fld id="{5CFA294B-FE41-4427-A7F6-0AF3C028BF82}" type="slidenum">
+              <a:rPr lang="ru-RU" smtClean="0"/>
+              <a:pPr/>
+              <a:t>7</a:t>
+            </a:fld>
+            <a:endParaRPr lang="ru-RU"/>
+          </a:p>
+        </p:txBody>
+      </p:sp>
+    </p:spTree>
+  </p:cSld>
+  <p:clrMapOvr>
+    <a:masterClrMapping/>
+  </p:clrMapOvr>
+</p:notes>
+</file>
+
+<file path=ppt/notesSlides/notesSlide3.xml><?xml version="1.0" encoding="utf-8"?>
+<p:notes xmlns:a="http://schemas.openxmlformats.org/drawingml/2006/main" xmlns:r="http://schemas.openxmlformats.org/officeDocument/2006/relationships" xmlns:p="http://schemas.openxmlformats.org/presentationml/2006/main">
+  <p:cSld>
+    <p:spTree>
+      <p:nvGrpSpPr>
+        <p:cNvPr id="1" name=""/>
+        <p:cNvGrpSpPr/>
+        <p:nvPr/>
+      </p:nvGrpSpPr>
+      <p:grpSpPr>
+        <a:xfrm>
+          <a:off x="0" y="0"/>
+          <a:ext cx="0" cy="0"/>
+          <a:chOff x="0" y="0"/>
+          <a:chExt cx="0" cy="0"/>
+        </a:xfrm>
+      </p:grpSpPr>
+      <p:sp>
+        <p:nvSpPr>
+          <p:cNvPr id="2" name="Образ слайда 1"/>
+          <p:cNvSpPr>
+            <a:spLocks noGrp="1" noRot="1" noChangeAspect="1"/>
+          </p:cNvSpPr>
+          <p:nvPr>
+            <p:ph type="sldImg"/>
+          </p:nvPr>
+        </p:nvSpPr>
+        <p:spPr/>
+      </p:sp>
+      <p:sp>
+        <p:nvSpPr>
+          <p:cNvPr id="3" name="Заметки 2"/>
+          <p:cNvSpPr>
+            <a:spLocks noGrp="1"/>
+          </p:cNvSpPr>
+          <p:nvPr>
+            <p:ph type="body" idx="1"/>
+          </p:nvPr>
+        </p:nvSpPr>
+        <p:spPr/>
+        <p:txBody>
+          <a:bodyPr>
+            <a:normAutofit/>
+          </a:bodyPr>
+          <a:lstStyle/>
+          <a:p>
+            <a:r>
+              <a:rPr lang="en-US" dirty="0"/>
+              <a:t>https</a:t>
+            </a:r>
+            <a:r>
+              <a:rPr lang="en-US"/>
+              <a:t>://www.ibm.com/developerworks/ru/library/l-python_details_03</a:t>
+            </a:r>
+            <a:r>
+              <a:rPr lang="en-US" dirty="0"/>
+              <a:t>/</a:t>
+            </a:r>
+            <a:endParaRPr lang="ru-RU" dirty="0"/>
+          </a:p>
+        </p:txBody>
+      </p:sp>
+      <p:sp>
+        <p:nvSpPr>
+          <p:cNvPr id="4" name="Номер слайда 3"/>
+          <p:cNvSpPr>
+            <a:spLocks noGrp="1"/>
+          </p:cNvSpPr>
+          <p:nvPr>
+            <p:ph type="sldNum" sz="quarter" idx="10"/>
+          </p:nvPr>
+        </p:nvSpPr>
+        <p:spPr/>
+        <p:txBody>
+          <a:bodyPr/>
+          <a:lstStyle/>
+          <a:p>
+            <a:fld id="{5CFA294B-FE41-4427-A7F6-0AF3C028BF82}" type="slidenum">
+              <a:rPr lang="ru-RU" smtClean="0"/>
+              <a:pPr/>
+              <a:t>8</a:t>
+            </a:fld>
+            <a:endParaRPr lang="ru-RU"/>
+          </a:p>
+        </p:txBody>
+      </p:sp>
+    </p:spTree>
+  </p:cSld>
+  <p:clrMapOvr>
+    <a:masterClrMapping/>
+  </p:clrMapOvr>
+</p:notes>
+</file>
+
+<file path=ppt/notesSlides/notesSlide4.xml><?xml version="1.0" encoding="utf-8"?>
+<p:notes xmlns:a="http://schemas.openxmlformats.org/drawingml/2006/main" xmlns:r="http://schemas.openxmlformats.org/officeDocument/2006/relationships" xmlns:p="http://schemas.openxmlformats.org/presentationml/2006/main">
+  <p:cSld>
+    <p:spTree>
+      <p:nvGrpSpPr>
+        <p:cNvPr id="1" name=""/>
+        <p:cNvGrpSpPr/>
+        <p:nvPr/>
+      </p:nvGrpSpPr>
+      <p:grpSpPr>
+        <a:xfrm>
+          <a:off x="0" y="0"/>
+          <a:ext cx="0" cy="0"/>
+          <a:chOff x="0" y="0"/>
+          <a:chExt cx="0" cy="0"/>
+        </a:xfrm>
+      </p:grpSpPr>
+      <p:sp>
+        <p:nvSpPr>
+          <p:cNvPr id="2" name="Образ слайда 1"/>
+          <p:cNvSpPr>
+            <a:spLocks noGrp="1" noRot="1" noChangeAspect="1"/>
+          </p:cNvSpPr>
+          <p:nvPr>
+            <p:ph type="sldImg"/>
+          </p:nvPr>
+        </p:nvSpPr>
+        <p:spPr/>
+      </p:sp>
+      <p:sp>
+        <p:nvSpPr>
+          <p:cNvPr id="3" name="Заметки 2"/>
+          <p:cNvSpPr>
+            <a:spLocks noGrp="1"/>
+          </p:cNvSpPr>
+          <p:nvPr>
+            <p:ph type="body" idx="1"/>
+          </p:nvPr>
+        </p:nvSpPr>
+        <p:spPr/>
+        <p:txBody>
+          <a:bodyPr>
+            <a:normAutofit/>
+          </a:bodyPr>
+          <a:lstStyle/>
+          <a:p>
+            <a:r>
+              <a:rPr lang="en-US" dirty="0"/>
+              <a:t>http</a:t>
+            </a:r>
+            <a:r>
+              <a:rPr lang="en-US"/>
+              <a:t>://old.pynsk.ru/posts/2015/Oct/08/opyt-razrabotchikov-zamykaniia-closure-zachem-i-pochemu/#.WvlNtn--mie</a:t>
+            </a:r>
+            <a:endParaRPr lang="ru-RU" dirty="0"/>
+          </a:p>
+        </p:txBody>
+      </p:sp>
+      <p:sp>
+        <p:nvSpPr>
+          <p:cNvPr id="4" name="Номер слайда 3"/>
+          <p:cNvSpPr>
+            <a:spLocks noGrp="1"/>
+          </p:cNvSpPr>
+          <p:nvPr>
+            <p:ph type="sldNum" sz="quarter" idx="10"/>
+          </p:nvPr>
+        </p:nvSpPr>
+        <p:spPr/>
+        <p:txBody>
+          <a:bodyPr/>
+          <a:lstStyle/>
+          <a:p>
+            <a:fld id="{5CFA294B-FE41-4427-A7F6-0AF3C028BF82}" type="slidenum">
+              <a:rPr lang="ru-RU" smtClean="0"/>
+              <a:pPr/>
+              <a:t>9</a:t>
+            </a:fld>
+            <a:endParaRPr lang="ru-RU"/>
+          </a:p>
+        </p:txBody>
+      </p:sp>
+    </p:spTree>
+  </p:cSld>
+  <p:clrMapOvr>
+    <a:masterClrMapping/>
+  </p:clrMapOvr>
+</p:notes>
+</file>
+
 <file path=ppt/slideLayouts/slideLayout1.xml><?xml version="1.0" encoding="utf-8"?>
 <p:sldLayout xmlns:a="http://schemas.openxmlformats.org/drawingml/2006/main" xmlns:r="http://schemas.openxmlformats.org/officeDocument/2006/relationships" xmlns:p="http://schemas.openxmlformats.org/presentationml/2006/main" type="blank" preserve="1">
   <p:cSld name="Blank Slide">
@@ -3356,7 +3727,7 @@
           <a:p>
             <a:fld id="{EF790F8C-5FB9-4EFE-BCC7-F735A3026FD8}" type="datetimeFigureOut">
               <a:rPr lang="ru-RU" smtClean="0"/>
-              <a:t>07.11.2024</a:t>
+              <a:t>17.11.2024</a:t>
             </a:fld>
             <a:endParaRPr lang="ru-RU"/>
           </a:p>
@@ -3420,6 +3791,203 @@
     <p:extLst>
       <p:ext uri="{BB962C8B-B14F-4D97-AF65-F5344CB8AC3E}">
         <p14:creationId xmlns:p14="http://schemas.microsoft.com/office/powerpoint/2010/main" val="976468914"/>
+      </p:ext>
+    </p:extLst>
+  </p:cSld>
+  <p:clrMapOvr>
+    <a:masterClrMapping/>
+  </p:clrMapOvr>
+</p:sldLayout>
+</file>
+
+<file path=ppt/slideLayouts/slideLayout29.xml><?xml version="1.0" encoding="utf-8"?>
+<p:sldLayout xmlns:a="http://schemas.openxmlformats.org/drawingml/2006/main" xmlns:r="http://schemas.openxmlformats.org/officeDocument/2006/relationships" xmlns:p="http://schemas.openxmlformats.org/presentationml/2006/main" type="obj">
+  <p:cSld name="Заголовок и объект">
+    <p:spTree>
+      <p:nvGrpSpPr>
+        <p:cNvPr id="1" name=""/>
+        <p:cNvGrpSpPr/>
+        <p:nvPr/>
+      </p:nvGrpSpPr>
+      <p:grpSpPr>
+        <a:xfrm>
+          <a:off x="0" y="0"/>
+          <a:ext cx="0" cy="0"/>
+          <a:chOff x="0" y="0"/>
+          <a:chExt cx="0" cy="0"/>
+        </a:xfrm>
+      </p:grpSpPr>
+      <p:sp>
+        <p:nvSpPr>
+          <p:cNvPr id="2" name="Заголовок 1"/>
+          <p:cNvSpPr>
+            <a:spLocks noGrp="1"/>
+          </p:cNvSpPr>
+          <p:nvPr>
+            <p:ph type="title"/>
+          </p:nvPr>
+        </p:nvSpPr>
+        <p:spPr>
+          <a:xfrm>
+            <a:off x="107505" y="0"/>
+            <a:ext cx="8928992" cy="465516"/>
+          </a:xfrm>
+        </p:spPr>
+        <p:txBody>
+          <a:bodyPr>
+            <a:noAutofit/>
+          </a:bodyPr>
+          <a:lstStyle>
+            <a:lvl1pPr>
+              <a:defRPr sz="3300"/>
+            </a:lvl1pPr>
+          </a:lstStyle>
+          <a:p>
+            <a:r>
+              <a:rPr lang="ru-RU" dirty="0"/>
+              <a:t>Образец заголовка</a:t>
+            </a:r>
+          </a:p>
+        </p:txBody>
+      </p:sp>
+      <p:sp>
+        <p:nvSpPr>
+          <p:cNvPr id="3" name="Содержимое 2"/>
+          <p:cNvSpPr>
+            <a:spLocks noGrp="1"/>
+          </p:cNvSpPr>
+          <p:nvPr>
+            <p:ph idx="1"/>
+          </p:nvPr>
+        </p:nvSpPr>
+        <p:spPr>
+          <a:xfrm>
+            <a:off x="107505" y="573528"/>
+            <a:ext cx="8928992" cy="4158462"/>
+          </a:xfrm>
+        </p:spPr>
+        <p:txBody>
+          <a:bodyPr/>
+          <a:lstStyle>
+            <a:lvl1pPr marL="0" indent="0">
+              <a:lnSpc>
+                <a:spcPct val="80000"/>
+              </a:lnSpc>
+              <a:spcBef>
+                <a:spcPts val="0"/>
+              </a:spcBef>
+              <a:buFont typeface="Wingdings" pitchFamily="2" charset="2"/>
+              <a:buChar char="Ø"/>
+              <a:defRPr/>
+            </a:lvl1pPr>
+            <a:lvl2pPr marL="243000" indent="0">
+              <a:lnSpc>
+                <a:spcPct val="80000"/>
+              </a:lnSpc>
+              <a:spcBef>
+                <a:spcPts val="0"/>
+              </a:spcBef>
+              <a:buFont typeface="Wingdings" pitchFamily="2" charset="2"/>
+              <a:buChar char="ü"/>
+              <a:defRPr/>
+            </a:lvl2pPr>
+            <a:lvl3pPr marL="486000" indent="0">
+              <a:lnSpc>
+                <a:spcPct val="80000"/>
+              </a:lnSpc>
+              <a:spcBef>
+                <a:spcPts val="0"/>
+              </a:spcBef>
+              <a:buFont typeface="Arial" pitchFamily="34" charset="0"/>
+              <a:buChar char="•"/>
+              <a:defRPr/>
+            </a:lvl3pPr>
+            <a:lvl4pPr marL="729000" indent="0">
+              <a:lnSpc>
+                <a:spcPct val="80000"/>
+              </a:lnSpc>
+              <a:spcBef>
+                <a:spcPts val="0"/>
+              </a:spcBef>
+              <a:defRPr/>
+            </a:lvl4pPr>
+            <a:lvl5pPr marL="972000" indent="0">
+              <a:lnSpc>
+                <a:spcPct val="80000"/>
+              </a:lnSpc>
+              <a:spcBef>
+                <a:spcPts val="0"/>
+              </a:spcBef>
+              <a:buFont typeface="Wingdings" pitchFamily="2" charset="2"/>
+              <a:buChar char="v"/>
+              <a:defRPr/>
+            </a:lvl5pPr>
+          </a:lstStyle>
+          <a:p>
+            <a:pPr lvl="0"/>
+            <a:r>
+              <a:rPr lang="ru-RU" dirty="0"/>
+              <a:t>Образец текста</a:t>
+            </a:r>
+          </a:p>
+          <a:p>
+            <a:pPr lvl="1"/>
+            <a:r>
+              <a:rPr lang="ru-RU" dirty="0"/>
+              <a:t>Второй уровень</a:t>
+            </a:r>
+          </a:p>
+          <a:p>
+            <a:pPr lvl="2"/>
+            <a:r>
+              <a:rPr lang="ru-RU" dirty="0"/>
+              <a:t>Третий уровень</a:t>
+            </a:r>
+          </a:p>
+          <a:p>
+            <a:pPr lvl="3"/>
+            <a:r>
+              <a:rPr lang="ru-RU" dirty="0"/>
+              <a:t>Четвертый уровень</a:t>
+            </a:r>
+          </a:p>
+          <a:p>
+            <a:pPr lvl="4"/>
+            <a:r>
+              <a:rPr lang="ru-RU" dirty="0"/>
+              <a:t>Пятый уровень</a:t>
+            </a:r>
+          </a:p>
+        </p:txBody>
+      </p:sp>
+      <p:sp>
+        <p:nvSpPr>
+          <p:cNvPr id="6" name="Номер слайда 5"/>
+          <p:cNvSpPr>
+            <a:spLocks noGrp="1"/>
+          </p:cNvSpPr>
+          <p:nvPr>
+            <p:ph type="sldNum" sz="quarter" idx="12"/>
+          </p:nvPr>
+        </p:nvSpPr>
+        <p:spPr/>
+        <p:txBody>
+          <a:bodyPr/>
+          <a:lstStyle/>
+          <a:p>
+            <a:fld id="{725C68B6-61C2-468F-89AB-4B9F7531AA68}" type="slidenum">
+              <a:rPr lang="ru-RU" smtClean="0"/>
+              <a:pPr/>
+              <a:t>‹#›</a:t>
+            </a:fld>
+            <a:endParaRPr lang="ru-RU"/>
+          </a:p>
+        </p:txBody>
+      </p:sp>
+    </p:spTree>
+    <p:extLst>
+      <p:ext uri="{BB962C8B-B14F-4D97-AF65-F5344CB8AC3E}">
+        <p14:creationId xmlns:p14="http://schemas.microsoft.com/office/powerpoint/2010/main" val="3277852682"/>
       </p:ext>
     </p:extLst>
   </p:cSld>
@@ -5369,7 +5937,7 @@
             </a:pathLst>
           </a:custGeom>
           <a:blipFill rotWithShape="0">
-            <a:blip r:embed="rId16"/>
+            <a:blip r:embed="rId17"/>
             <a:stretch/>
           </a:blipFill>
           <a:ln w="0">
@@ -5428,7 +5996,7 @@
             </a:pathLst>
           </a:custGeom>
           <a:blipFill rotWithShape="0">
-            <a:blip r:embed="rId17">
+            <a:blip r:embed="rId18">
               <a:alphaModFix amt="50000"/>
             </a:blip>
             <a:stretch/>
@@ -5473,6 +6041,7 @@
     <p:sldLayoutId id="2147483693" r:id="rId12"/>
     <p:sldLayoutId id="2147483694" r:id="rId13"/>
     <p:sldLayoutId id="2147483695" r:id="rId14"/>
+    <p:sldLayoutId id="2147483696" r:id="rId15"/>
   </p:sldLayoutIdLst>
   <p:txStyles>
     <p:titleStyle>
@@ -5887,7 +6456,7 @@
 </p:sld>
 </file>
 
-<file path=ppt/slides/slide2.xml><?xml version="1.0" encoding="utf-8"?>
+<file path=ppt/slides/slide10.xml><?xml version="1.0" encoding="utf-8"?>
 <p:sld xmlns:a="http://schemas.openxmlformats.org/drawingml/2006/main" xmlns:r="http://schemas.openxmlformats.org/officeDocument/2006/relationships" xmlns:p="http://schemas.openxmlformats.org/presentationml/2006/main">
   <p:cSld>
     <p:spTree>
@@ -5906,225 +6475,80 @@
       </p:grpSpPr>
       <p:sp>
         <p:nvSpPr>
-          <p:cNvPr id="4" name="Заголовок 1">
+          <p:cNvPr id="2" name="Заголовок 1">
             <a:extLst>
               <a:ext uri="{FF2B5EF4-FFF2-40B4-BE49-F238E27FC236}">
-                <a16:creationId xmlns:a16="http://schemas.microsoft.com/office/drawing/2014/main" id="{543C3DB7-5F92-4105-A5B5-C66DD9F1575D}"/>
+                <a16:creationId xmlns:a16="http://schemas.microsoft.com/office/drawing/2014/main" id="{0D2E9B1B-960D-4B79-933C-486083546485}"/>
               </a:ext>
             </a:extLst>
           </p:cNvPr>
-          <p:cNvSpPr txBox="1">
-            <a:spLocks/>
-          </p:cNvSpPr>
-          <p:nvPr/>
-        </p:nvSpPr>
-        <p:spPr>
-          <a:xfrm>
-            <a:off x="318086" y="398475"/>
-            <a:ext cx="8087879" cy="560657"/>
-          </a:xfrm>
-          <a:prstGeom prst="rect">
-            <a:avLst/>
-          </a:prstGeom>
-        </p:spPr>
-        <p:txBody>
-          <a:bodyPr lIns="0" tIns="0" rIns="0" bIns="0" anchor="ctr">
-            <a:noAutofit/>
-          </a:bodyPr>
-          <a:lstStyle>
-            <a:lvl1pPr algn="l" defTabSz="1219140" rtl="0" eaLnBrk="1" latinLnBrk="0" hangingPunct="1">
-              <a:lnSpc>
-                <a:spcPct val="90000"/>
-              </a:lnSpc>
-              <a:spcBef>
-                <a:spcPct val="0"/>
-              </a:spcBef>
-              <a:buNone/>
-              <a:defRPr sz="5867" kern="1200">
-                <a:solidFill>
-                  <a:schemeClr val="tx1"/>
-                </a:solidFill>
-                <a:latin typeface="+mj-lt"/>
-                <a:ea typeface="+mj-ea"/>
-                <a:cs typeface="+mj-cs"/>
-              </a:defRPr>
-            </a:lvl1pPr>
-          </a:lstStyle>
-          <a:p>
-            <a:r>
-              <a:rPr lang="ru-RU" sz="4000" b="1" dirty="0"/>
-              <a:t>Элементы функционального программирования</a:t>
-            </a:r>
-          </a:p>
-        </p:txBody>
-      </p:sp>
-      <p:sp>
-        <p:nvSpPr>
-          <p:cNvPr id="6" name="Прямоугольник 5">
+          <p:cNvSpPr>
+            <a:spLocks noGrp="1"/>
+          </p:cNvSpPr>
+          <p:nvPr>
+            <p:ph type="title"/>
+          </p:nvPr>
+        </p:nvSpPr>
+        <p:spPr/>
+        <p:txBody>
+          <a:bodyPr/>
+          <a:lstStyle/>
+          <a:p>
+            <a:endParaRPr lang="ru-RU"/>
+          </a:p>
+        </p:txBody>
+      </p:sp>
+      <p:pic>
+        <p:nvPicPr>
+          <p:cNvPr id="1026" name="Picture 2" descr="https://proproprogs.ru/htm/python_base/files/python3-oblasti-vidimosti-peremennyh-klyuchevye-slova-global-i-nonlocal.files/image002.jpg">
             <a:extLst>
               <a:ext uri="{FF2B5EF4-FFF2-40B4-BE49-F238E27FC236}">
-                <a16:creationId xmlns:a16="http://schemas.microsoft.com/office/drawing/2014/main" id="{995F9BCF-8286-4660-B35B-945CD7D32812}"/>
+                <a16:creationId xmlns:a16="http://schemas.microsoft.com/office/drawing/2014/main" id="{7113ACC8-D78A-44EA-907B-1C592D9A86A1}"/>
               </a:ext>
             </a:extLst>
           </p:cNvPr>
-          <p:cNvSpPr/>
+          <p:cNvPicPr>
+            <a:picLocks noChangeAspect="1" noChangeArrowheads="1"/>
+          </p:cNvPicPr>
           <p:nvPr/>
-        </p:nvSpPr>
-        <p:spPr>
-          <a:xfrm>
-            <a:off x="368751" y="1540389"/>
-            <a:ext cx="7986547" cy="2862322"/>
-          </a:xfrm>
-          <a:prstGeom prst="rect">
-            <a:avLst/>
-          </a:prstGeom>
-        </p:spPr>
-        <p:txBody>
-          <a:bodyPr wrap="square">
-            <a:spAutoFit/>
-          </a:bodyPr>
-          <a:lstStyle/>
-          <a:p>
-            <a:pPr marL="342900" indent="-342900">
-              <a:buFont typeface="+mj-lt"/>
-              <a:buAutoNum type="arabicParenR"/>
-            </a:pPr>
-            <a:r>
-              <a:rPr lang="ru-RU" sz="2000" dirty="0"/>
-              <a:t>Функция как объект. Паттерн «Фабрика функций»</a:t>
-            </a:r>
-          </a:p>
-          <a:p>
-            <a:pPr marL="342900" indent="-342900">
-              <a:buFont typeface="+mj-lt"/>
-              <a:buAutoNum type="arabicParenR"/>
-            </a:pPr>
-            <a:r>
-              <a:rPr lang="ru-RU" sz="2000" dirty="0"/>
-              <a:t>Анонимные функции. Сортировка коллекций по ключу</a:t>
-            </a:r>
-          </a:p>
-          <a:p>
-            <a:pPr marL="342900" indent="-342900">
-              <a:buFont typeface="+mj-lt"/>
-              <a:buAutoNum type="arabicParenR"/>
-            </a:pPr>
-            <a:r>
-              <a:rPr lang="ru-RU" sz="2000" dirty="0"/>
-              <a:t>Применение функций </a:t>
-            </a:r>
-            <a:r>
-              <a:rPr lang="ru-RU" sz="2000" dirty="0" err="1"/>
-              <a:t>all</a:t>
-            </a:r>
-            <a:r>
-              <a:rPr lang="ru-RU" sz="2000" dirty="0"/>
-              <a:t> и </a:t>
-            </a:r>
-            <a:r>
-              <a:rPr lang="ru-RU" sz="2000" dirty="0" err="1"/>
-              <a:t>any</a:t>
-            </a:r>
-            <a:endParaRPr lang="ru-RU" sz="2000" dirty="0"/>
-          </a:p>
-          <a:p>
-            <a:pPr marL="342900" indent="-342900">
-              <a:buFont typeface="+mj-lt"/>
-              <a:buAutoNum type="arabicParenR"/>
-            </a:pPr>
-            <a:r>
-              <a:rPr lang="ru-RU" sz="2000" dirty="0"/>
-              <a:t>Функции высшего порядка (</a:t>
-            </a:r>
-            <a:r>
-              <a:rPr lang="ru-RU" sz="2000" dirty="0" err="1"/>
-              <a:t>map</a:t>
-            </a:r>
-            <a:r>
-              <a:rPr lang="ru-RU" sz="2000" dirty="0"/>
-              <a:t>, </a:t>
-            </a:r>
-            <a:r>
-              <a:rPr lang="ru-RU" sz="2000" dirty="0" err="1"/>
-              <a:t>filter</a:t>
-            </a:r>
-            <a:r>
-              <a:rPr lang="ru-RU" sz="2000" dirty="0"/>
-              <a:t>, </a:t>
-            </a:r>
-            <a:r>
-              <a:rPr lang="ru-RU" sz="2000" dirty="0" err="1"/>
-              <a:t>reduce</a:t>
-            </a:r>
-            <a:r>
-              <a:rPr lang="ru-RU" sz="2000" dirty="0"/>
-              <a:t>)</a:t>
-            </a:r>
-          </a:p>
-          <a:p>
-            <a:pPr marL="342900" indent="-342900">
-              <a:buFont typeface="+mj-lt"/>
-              <a:buAutoNum type="arabicParenR"/>
-            </a:pPr>
-            <a:r>
-              <a:rPr lang="ru-RU" sz="2000" dirty="0"/>
-              <a:t>Модуль </a:t>
-            </a:r>
-            <a:r>
-              <a:rPr lang="ru-RU" sz="2000" dirty="0" err="1"/>
-              <a:t>itertools</a:t>
-            </a:r>
-            <a:r>
-              <a:rPr lang="ru-RU" sz="2000" dirty="0"/>
-              <a:t> и комбинаторика</a:t>
-            </a:r>
-          </a:p>
-          <a:p>
-            <a:pPr marL="342900" indent="-342900">
-              <a:buFont typeface="+mj-lt"/>
-              <a:buAutoNum type="arabicParenR"/>
-            </a:pPr>
-            <a:r>
-              <a:rPr lang="ru-RU" sz="2000" dirty="0"/>
-              <a:t>Глобальный и локальный контекст</a:t>
-            </a:r>
-          </a:p>
-          <a:p>
-            <a:pPr marL="342900" indent="-342900">
-              <a:buFont typeface="+mj-lt"/>
-              <a:buAutoNum type="arabicParenR"/>
-            </a:pPr>
-            <a:r>
-              <a:rPr lang="ru-RU" sz="2000" dirty="0"/>
-              <a:t>Замыкания функций</a:t>
-            </a:r>
-          </a:p>
-          <a:p>
-            <a:pPr marL="342900" indent="-342900">
-              <a:buFont typeface="+mj-lt"/>
-              <a:buAutoNum type="arabicParenR"/>
-            </a:pPr>
-            <a:r>
-              <a:rPr lang="ru-RU" sz="2000" dirty="0"/>
-              <a:t>Декораторы функций</a:t>
-            </a:r>
-          </a:p>
-          <a:p>
-            <a:pPr marL="342900" indent="-342900">
-              <a:buFont typeface="+mj-lt"/>
-              <a:buAutoNum type="arabicParenR"/>
-            </a:pPr>
-            <a:r>
-              <a:rPr lang="ru-RU" sz="2000" dirty="0"/>
-              <a:t> Встроенные декораторы*</a:t>
-            </a:r>
-          </a:p>
-        </p:txBody>
-      </p:sp>
+        </p:nvPicPr>
+        <p:blipFill>
+          <a:blip r:embed="rId2">
+            <a:extLst>
+              <a:ext uri="{28A0092B-C50C-407E-A947-70E740481C1C}">
+                <a14:useLocalDpi xmlns:a14="http://schemas.microsoft.com/office/drawing/2010/main" val="0"/>
+              </a:ext>
+            </a:extLst>
+          </a:blip>
+          <a:srcRect/>
+          <a:stretch>
+            <a:fillRect/>
+          </a:stretch>
+        </p:blipFill>
+        <p:spPr bwMode="auto">
+          <a:xfrm>
+            <a:off x="822663" y="1665279"/>
+            <a:ext cx="5766906" cy="2336395"/>
+          </a:xfrm>
+          <a:prstGeom prst="rect">
+            <a:avLst/>
+          </a:prstGeom>
+          <a:noFill/>
+          <a:extLst>
+            <a:ext uri="{909E8E84-426E-40DD-AFC4-6F175D3DCCD1}">
+              <a14:hiddenFill xmlns:a14="http://schemas.microsoft.com/office/drawing/2010/main">
+                <a:solidFill>
+                  <a:srgbClr val="FFFFFF"/>
+                </a:solidFill>
+              </a14:hiddenFill>
+            </a:ext>
+          </a:extLst>
+        </p:spPr>
+      </p:pic>
     </p:spTree>
     <p:extLst>
       <p:ext uri="{BB962C8B-B14F-4D97-AF65-F5344CB8AC3E}">
-        <p14:creationId xmlns:p14="http://schemas.microsoft.com/office/powerpoint/2010/main" val="237218521"/>
+        <p14:creationId xmlns:p14="http://schemas.microsoft.com/office/powerpoint/2010/main" val="3320404546"/>
       </p:ext>
     </p:extLst>
   </p:cSld>
@@ -6134,7 +6558,7 @@
 </p:sld>
 </file>
 
-<file path=ppt/slides/slide3.xml><?xml version="1.0" encoding="utf-8"?>
+<file path=ppt/slides/slide11.xml><?xml version="1.0" encoding="utf-8"?>
 <p:sld xmlns:a="http://schemas.openxmlformats.org/drawingml/2006/main" xmlns:r="http://schemas.openxmlformats.org/officeDocument/2006/relationships" xmlns:p="http://schemas.openxmlformats.org/presentationml/2006/main">
   <p:cSld>
     <p:spTree>
@@ -6174,7 +6598,517 @@
                 </a:solidFill>
               </a:rPr>
               <a:pPr defTabSz="685800"/>
-              <a:t>3</a:t>
+              <a:t>11</a:t>
+            </a:fld>
+            <a:endParaRPr lang="ru-RU" dirty="0">
+              <a:solidFill>
+                <a:prstClr val="white"/>
+              </a:solidFill>
+            </a:endParaRPr>
+          </a:p>
+        </p:txBody>
+      </p:sp>
+      <p:pic>
+        <p:nvPicPr>
+          <p:cNvPr id="2050" name="Picture 2" descr="Декораторы в Python: понятие, структура, примеры использования">
+            <a:extLst>
+              <a:ext uri="{FF2B5EF4-FFF2-40B4-BE49-F238E27FC236}">
+                <a16:creationId xmlns:a16="http://schemas.microsoft.com/office/drawing/2014/main" id="{386092F4-A1B6-4C36-9D9C-CAFC22D3A114}"/>
+              </a:ext>
+            </a:extLst>
+          </p:cNvPr>
+          <p:cNvPicPr>
+            <a:picLocks noChangeAspect="1" noChangeArrowheads="1"/>
+          </p:cNvPicPr>
+          <p:nvPr/>
+        </p:nvPicPr>
+        <p:blipFill>
+          <a:blip r:embed="rId2">
+            <a:extLst>
+              <a:ext uri="{28A0092B-C50C-407E-A947-70E740481C1C}">
+                <a14:useLocalDpi xmlns:a14="http://schemas.microsoft.com/office/drawing/2010/main" val="0"/>
+              </a:ext>
+            </a:extLst>
+          </a:blip>
+          <a:srcRect/>
+          <a:stretch>
+            <a:fillRect/>
+          </a:stretch>
+        </p:blipFill>
+        <p:spPr bwMode="auto">
+          <a:xfrm>
+            <a:off x="470389" y="239317"/>
+            <a:ext cx="3689610" cy="2873159"/>
+          </a:xfrm>
+          <a:prstGeom prst="rect">
+            <a:avLst/>
+          </a:prstGeom>
+          <a:ln>
+            <a:noFill/>
+          </a:ln>
+          <a:effectLst>
+            <a:outerShdw blurRad="190500" algn="tl" rotWithShape="0">
+              <a:srgbClr val="000000">
+                <a:alpha val="70000"/>
+              </a:srgbClr>
+            </a:outerShdw>
+          </a:effectLst>
+          <a:extLst>
+            <a:ext uri="{909E8E84-426E-40DD-AFC4-6F175D3DCCD1}">
+              <a14:hiddenFill xmlns:a14="http://schemas.microsoft.com/office/drawing/2010/main">
+                <a:solidFill>
+                  <a:srgbClr val="FFFFFF"/>
+                </a:solidFill>
+              </a14:hiddenFill>
+            </a:ext>
+          </a:extLst>
+        </p:spPr>
+      </p:pic>
+      <p:pic>
+        <p:nvPicPr>
+          <p:cNvPr id="2052" name="Picture 4" descr="Декораторы в Python: работа с функциями и классами, способы применения">
+            <a:extLst>
+              <a:ext uri="{FF2B5EF4-FFF2-40B4-BE49-F238E27FC236}">
+                <a16:creationId xmlns:a16="http://schemas.microsoft.com/office/drawing/2014/main" id="{1DA8ED47-57F9-4138-B564-3402151B4A97}"/>
+              </a:ext>
+            </a:extLst>
+          </p:cNvPr>
+          <p:cNvPicPr>
+            <a:picLocks noChangeAspect="1" noChangeArrowheads="1"/>
+          </p:cNvPicPr>
+          <p:nvPr/>
+        </p:nvPicPr>
+        <p:blipFill>
+          <a:blip r:embed="rId3">
+            <a:extLst>
+              <a:ext uri="{28A0092B-C50C-407E-A947-70E740481C1C}">
+                <a14:useLocalDpi xmlns:a14="http://schemas.microsoft.com/office/drawing/2010/main" val="0"/>
+              </a:ext>
+            </a:extLst>
+          </a:blip>
+          <a:srcRect/>
+          <a:stretch>
+            <a:fillRect/>
+          </a:stretch>
+        </p:blipFill>
+        <p:spPr bwMode="auto">
+          <a:xfrm>
+            <a:off x="4325816" y="1970942"/>
+            <a:ext cx="4086225" cy="2724150"/>
+          </a:xfrm>
+          <a:prstGeom prst="rect">
+            <a:avLst/>
+          </a:prstGeom>
+          <a:ln>
+            <a:noFill/>
+          </a:ln>
+          <a:effectLst>
+            <a:outerShdw blurRad="190500" algn="tl" rotWithShape="0">
+              <a:srgbClr val="000000">
+                <a:alpha val="70000"/>
+              </a:srgbClr>
+            </a:outerShdw>
+          </a:effectLst>
+          <a:extLst>
+            <a:ext uri="{909E8E84-426E-40DD-AFC4-6F175D3DCCD1}">
+              <a14:hiddenFill xmlns:a14="http://schemas.microsoft.com/office/drawing/2010/main">
+                <a:solidFill>
+                  <a:srgbClr val="FFFFFF"/>
+                </a:solidFill>
+              </a14:hiddenFill>
+            </a:ext>
+          </a:extLst>
+        </p:spPr>
+      </p:pic>
+    </p:spTree>
+    <p:extLst>
+      <p:ext uri="{BB962C8B-B14F-4D97-AF65-F5344CB8AC3E}">
+        <p14:creationId xmlns:p14="http://schemas.microsoft.com/office/powerpoint/2010/main" val="1862653251"/>
+      </p:ext>
+    </p:extLst>
+  </p:cSld>
+  <p:clrMapOvr>
+    <a:masterClrMapping/>
+  </p:clrMapOvr>
+  <p:timing>
+    <p:tnLst>
+      <p:par>
+        <p:cTn id="1" dur="indefinite" restart="never" nodeType="tmRoot">
+          <p:childTnLst>
+            <p:seq concurrent="1" nextAc="seek">
+              <p:cTn id="2" dur="indefinite" nodeType="mainSeq">
+                <p:childTnLst>
+                  <p:par>
+                    <p:cTn id="3" fill="hold">
+                      <p:stCondLst>
+                        <p:cond delay="indefinite"/>
+                      </p:stCondLst>
+                      <p:childTnLst>
+                        <p:par>
+                          <p:cTn id="4" fill="hold">
+                            <p:stCondLst>
+                              <p:cond delay="0"/>
+                            </p:stCondLst>
+                            <p:childTnLst>
+                              <p:par>
+                                <p:cTn id="5" presetID="1" presetClass="entr" presetSubtype="0" fill="hold" nodeType="clickEffect">
+                                  <p:stCondLst>
+                                    <p:cond delay="0"/>
+                                  </p:stCondLst>
+                                  <p:childTnLst>
+                                    <p:set>
+                                      <p:cBhvr>
+                                        <p:cTn id="6" dur="1" fill="hold">
+                                          <p:stCondLst>
+                                            <p:cond delay="0"/>
+                                          </p:stCondLst>
+                                        </p:cTn>
+                                        <p:tgtEl>
+                                          <p:spTgt spid="2050"/>
+                                        </p:tgtEl>
+                                        <p:attrNameLst>
+                                          <p:attrName>style.visibility</p:attrName>
+                                        </p:attrNameLst>
+                                      </p:cBhvr>
+                                      <p:to>
+                                        <p:strVal val="visible"/>
+                                      </p:to>
+                                    </p:set>
+                                  </p:childTnLst>
+                                </p:cTn>
+                              </p:par>
+                            </p:childTnLst>
+                          </p:cTn>
+                        </p:par>
+                      </p:childTnLst>
+                    </p:cTn>
+                  </p:par>
+                  <p:par>
+                    <p:cTn id="7" fill="hold">
+                      <p:stCondLst>
+                        <p:cond delay="indefinite"/>
+                      </p:stCondLst>
+                      <p:childTnLst>
+                        <p:par>
+                          <p:cTn id="8" fill="hold">
+                            <p:stCondLst>
+                              <p:cond delay="0"/>
+                            </p:stCondLst>
+                            <p:childTnLst>
+                              <p:par>
+                                <p:cTn id="9" presetID="1" presetClass="entr" presetSubtype="0" fill="hold" nodeType="clickEffect">
+                                  <p:stCondLst>
+                                    <p:cond delay="0"/>
+                                  </p:stCondLst>
+                                  <p:childTnLst>
+                                    <p:set>
+                                      <p:cBhvr>
+                                        <p:cTn id="10" dur="1" fill="hold">
+                                          <p:stCondLst>
+                                            <p:cond delay="0"/>
+                                          </p:stCondLst>
+                                        </p:cTn>
+                                        <p:tgtEl>
+                                          <p:spTgt spid="2052"/>
+                                        </p:tgtEl>
+                                        <p:attrNameLst>
+                                          <p:attrName>style.visibility</p:attrName>
+                                        </p:attrNameLst>
+                                      </p:cBhvr>
+                                      <p:to>
+                                        <p:strVal val="visible"/>
+                                      </p:to>
+                                    </p:set>
+                                  </p:childTnLst>
+                                </p:cTn>
+                              </p:par>
+                            </p:childTnLst>
+                          </p:cTn>
+                        </p:par>
+                      </p:childTnLst>
+                    </p:cTn>
+                  </p:par>
+                </p:childTnLst>
+              </p:cTn>
+              <p:prevCondLst>
+                <p:cond evt="onPrev" delay="0">
+                  <p:tgtEl>
+                    <p:sldTgt/>
+                  </p:tgtEl>
+                </p:cond>
+              </p:prevCondLst>
+              <p:nextCondLst>
+                <p:cond evt="onNext" delay="0">
+                  <p:tgtEl>
+                    <p:sldTgt/>
+                  </p:tgtEl>
+                </p:cond>
+              </p:nextCondLst>
+            </p:seq>
+          </p:childTnLst>
+        </p:cTn>
+      </p:par>
+    </p:tnLst>
+  </p:timing>
+</p:sld>
+</file>
+
+<file path=ppt/slides/slide12.xml><?xml version="1.0" encoding="utf-8"?>
+<p:sld xmlns:a="http://schemas.openxmlformats.org/drawingml/2006/main" xmlns:r="http://schemas.openxmlformats.org/officeDocument/2006/relationships" xmlns:p="http://schemas.openxmlformats.org/presentationml/2006/main">
+  <p:cSld>
+    <p:spTree>
+      <p:nvGrpSpPr>
+        <p:cNvPr id="1" name=""/>
+        <p:cNvGrpSpPr/>
+        <p:nvPr/>
+      </p:nvGrpSpPr>
+      <p:grpSpPr>
+        <a:xfrm>
+          <a:off x="0" y="0"/>
+          <a:ext cx="0" cy="0"/>
+          <a:chOff x="0" y="0"/>
+          <a:chExt cx="0" cy="0"/>
+        </a:xfrm>
+      </p:grpSpPr>
+      <p:sp>
+        <p:nvSpPr>
+          <p:cNvPr id="4" name="Номер слайда 3"/>
+          <p:cNvSpPr>
+            <a:spLocks noGrp="1"/>
+          </p:cNvSpPr>
+          <p:nvPr>
+            <p:ph type="sldNum" sz="quarter" idx="10"/>
+          </p:nvPr>
+        </p:nvSpPr>
+        <p:spPr/>
+        <p:txBody>
+          <a:bodyPr/>
+          <a:lstStyle/>
+          <a:p>
+            <a:pPr defTabSz="685800"/>
+            <a:fld id="{1519AFA1-E01F-4869-9A2C-AE6B64FF5724}" type="slidenum">
+              <a:rPr lang="ru-RU">
+                <a:solidFill>
+                  <a:prstClr val="white"/>
+                </a:solidFill>
+              </a:rPr>
+              <a:pPr defTabSz="685800"/>
+              <a:t>12</a:t>
+            </a:fld>
+            <a:endParaRPr lang="ru-RU" dirty="0">
+              <a:solidFill>
+                <a:prstClr val="white"/>
+              </a:solidFill>
+            </a:endParaRPr>
+          </a:p>
+        </p:txBody>
+      </p:sp>
+      <p:pic>
+        <p:nvPicPr>
+          <p:cNvPr id="1026" name="Picture 2" descr="Что такое декораторы и для чего они нужны в Python">
+            <a:extLst>
+              <a:ext uri="{FF2B5EF4-FFF2-40B4-BE49-F238E27FC236}">
+                <a16:creationId xmlns:a16="http://schemas.microsoft.com/office/drawing/2014/main" id="{4513F5B7-1B47-4526-B6EA-EFC553301A73}"/>
+              </a:ext>
+            </a:extLst>
+          </p:cNvPr>
+          <p:cNvPicPr>
+            <a:picLocks noChangeAspect="1" noChangeArrowheads="1"/>
+          </p:cNvPicPr>
+          <p:nvPr/>
+        </p:nvPicPr>
+        <p:blipFill>
+          <a:blip r:embed="rId2">
+            <a:extLst>
+              <a:ext uri="{28A0092B-C50C-407E-A947-70E740481C1C}">
+                <a14:useLocalDpi xmlns:a14="http://schemas.microsoft.com/office/drawing/2010/main" val="0"/>
+              </a:ext>
+            </a:extLst>
+          </a:blip>
+          <a:srcRect/>
+          <a:stretch>
+            <a:fillRect/>
+          </a:stretch>
+        </p:blipFill>
+        <p:spPr bwMode="auto">
+          <a:xfrm>
+            <a:off x="965497" y="322199"/>
+            <a:ext cx="6785471" cy="4123274"/>
+          </a:xfrm>
+          <a:prstGeom prst="rect">
+            <a:avLst/>
+          </a:prstGeom>
+          <a:noFill/>
+          <a:extLst>
+            <a:ext uri="{909E8E84-426E-40DD-AFC4-6F175D3DCCD1}">
+              <a14:hiddenFill xmlns:a14="http://schemas.microsoft.com/office/drawing/2010/main">
+                <a:solidFill>
+                  <a:srgbClr val="FFFFFF"/>
+                </a:solidFill>
+              </a14:hiddenFill>
+            </a:ext>
+          </a:extLst>
+        </p:spPr>
+      </p:pic>
+    </p:spTree>
+    <p:extLst>
+      <p:ext uri="{BB962C8B-B14F-4D97-AF65-F5344CB8AC3E}">
+        <p14:creationId xmlns:p14="http://schemas.microsoft.com/office/powerpoint/2010/main" val="3963028733"/>
+      </p:ext>
+    </p:extLst>
+  </p:cSld>
+  <p:clrMapOvr>
+    <a:masterClrMapping/>
+  </p:clrMapOvr>
+</p:sld>
+</file>
+
+<file path=ppt/slides/slide13.xml><?xml version="1.0" encoding="utf-8"?>
+<p:sld xmlns:a="http://schemas.openxmlformats.org/drawingml/2006/main" xmlns:r="http://schemas.openxmlformats.org/officeDocument/2006/relationships" xmlns:p="http://schemas.openxmlformats.org/presentationml/2006/main">
+  <p:cSld>
+    <p:spTree>
+      <p:nvGrpSpPr>
+        <p:cNvPr id="1" name=""/>
+        <p:cNvGrpSpPr/>
+        <p:nvPr/>
+      </p:nvGrpSpPr>
+      <p:grpSpPr>
+        <a:xfrm>
+          <a:off x="0" y="0"/>
+          <a:ext cx="0" cy="0"/>
+          <a:chOff x="0" y="0"/>
+          <a:chExt cx="0" cy="0"/>
+        </a:xfrm>
+      </p:grpSpPr>
+      <p:sp>
+        <p:nvSpPr>
+          <p:cNvPr id="2" name="Заголовок 1">
+            <a:extLst>
+              <a:ext uri="{FF2B5EF4-FFF2-40B4-BE49-F238E27FC236}">
+                <a16:creationId xmlns:a16="http://schemas.microsoft.com/office/drawing/2014/main" id="{69627338-5B1D-4790-9E42-81C5F34681D9}"/>
+              </a:ext>
+            </a:extLst>
+          </p:cNvPr>
+          <p:cNvSpPr>
+            <a:spLocks noGrp="1"/>
+          </p:cNvSpPr>
+          <p:nvPr>
+            <p:ph type="title"/>
+          </p:nvPr>
+        </p:nvSpPr>
+        <p:spPr>
+          <a:xfrm>
+            <a:off x="316216" y="430133"/>
+            <a:ext cx="7886520" cy="993960"/>
+          </a:xfrm>
+        </p:spPr>
+        <p:txBody>
+          <a:bodyPr/>
+          <a:lstStyle/>
+          <a:p>
+            <a:r>
+              <a:rPr lang="ru-RU" dirty="0"/>
+              <a:t>Функция-генератор. </a:t>
+            </a:r>
+            <a:br>
+              <a:rPr lang="en-US" dirty="0"/>
+            </a:br>
+            <a:r>
+              <a:rPr lang="ru-RU" dirty="0"/>
+              <a:t>Оператор </a:t>
+            </a:r>
+            <a:r>
+              <a:rPr lang="en-US" dirty="0"/>
+              <a:t>yield</a:t>
+            </a:r>
+            <a:endParaRPr lang="ru-RU" dirty="0"/>
+          </a:p>
+        </p:txBody>
+      </p:sp>
+      <p:pic>
+        <p:nvPicPr>
+          <p:cNvPr id="5" name="Рисунок 4">
+            <a:extLst>
+              <a:ext uri="{FF2B5EF4-FFF2-40B4-BE49-F238E27FC236}">
+                <a16:creationId xmlns:a16="http://schemas.microsoft.com/office/drawing/2014/main" id="{4A632DA0-8E3E-4921-B3BB-4D317192AF27}"/>
+              </a:ext>
+            </a:extLst>
+          </p:cNvPr>
+          <p:cNvPicPr>
+            <a:picLocks noChangeAspect="1"/>
+          </p:cNvPicPr>
+          <p:nvPr/>
+        </p:nvPicPr>
+        <p:blipFill>
+          <a:blip r:embed="rId2"/>
+          <a:stretch>
+            <a:fillRect/>
+          </a:stretch>
+        </p:blipFill>
+        <p:spPr>
+          <a:xfrm>
+            <a:off x="699018" y="2607552"/>
+            <a:ext cx="6365055" cy="1839611"/>
+          </a:xfrm>
+          <a:prstGeom prst="rect">
+            <a:avLst/>
+          </a:prstGeom>
+        </p:spPr>
+      </p:pic>
+    </p:spTree>
+    <p:extLst>
+      <p:ext uri="{BB962C8B-B14F-4D97-AF65-F5344CB8AC3E}">
+        <p14:creationId xmlns:p14="http://schemas.microsoft.com/office/powerpoint/2010/main" val="36996225"/>
+      </p:ext>
+    </p:extLst>
+  </p:cSld>
+  <p:clrMapOvr>
+    <a:masterClrMapping/>
+  </p:clrMapOvr>
+</p:sld>
+</file>
+
+<file path=ppt/slides/slide14.xml><?xml version="1.0" encoding="utf-8"?>
+<p:sld xmlns:a="http://schemas.openxmlformats.org/drawingml/2006/main" xmlns:r="http://schemas.openxmlformats.org/officeDocument/2006/relationships" xmlns:p="http://schemas.openxmlformats.org/presentationml/2006/main">
+  <p:cSld>
+    <p:spTree>
+      <p:nvGrpSpPr>
+        <p:cNvPr id="1" name=""/>
+        <p:cNvGrpSpPr/>
+        <p:nvPr/>
+      </p:nvGrpSpPr>
+      <p:grpSpPr>
+        <a:xfrm>
+          <a:off x="0" y="0"/>
+          <a:ext cx="0" cy="0"/>
+          <a:chOff x="0" y="0"/>
+          <a:chExt cx="0" cy="0"/>
+        </a:xfrm>
+      </p:grpSpPr>
+      <p:sp>
+        <p:nvSpPr>
+          <p:cNvPr id="4" name="Номер слайда 3"/>
+          <p:cNvSpPr>
+            <a:spLocks noGrp="1"/>
+          </p:cNvSpPr>
+          <p:nvPr>
+            <p:ph type="sldNum" sz="quarter" idx="10"/>
+          </p:nvPr>
+        </p:nvSpPr>
+        <p:spPr/>
+        <p:txBody>
+          <a:bodyPr/>
+          <a:lstStyle/>
+          <a:p>
+            <a:pPr defTabSz="685800"/>
+            <a:fld id="{1519AFA1-E01F-4869-9A2C-AE6B64FF5724}" type="slidenum">
+              <a:rPr lang="ru-RU">
+                <a:solidFill>
+                  <a:prstClr val="white"/>
+                </a:solidFill>
+              </a:rPr>
+              <a:pPr defTabSz="685800"/>
+              <a:t>14</a:t>
             </a:fld>
             <a:endParaRPr lang="ru-RU" dirty="0">
               <a:solidFill>
@@ -6227,7 +7161,7 @@
 </p:sld>
 </file>
 
-<file path=ppt/slides/slide4.xml><?xml version="1.0" encoding="utf-8"?>
+<file path=ppt/slides/slide15.xml><?xml version="1.0" encoding="utf-8"?>
 <p:sld xmlns:a="http://schemas.openxmlformats.org/drawingml/2006/main" xmlns:r="http://schemas.openxmlformats.org/officeDocument/2006/relationships" xmlns:p="http://schemas.openxmlformats.org/presentationml/2006/main">
   <p:cSld>
     <p:spTree>
@@ -6267,7 +7201,7 @@
                 </a:solidFill>
               </a:rPr>
               <a:pPr defTabSz="685800"/>
-              <a:t>4</a:t>
+              <a:t>15</a:t>
             </a:fld>
             <a:endParaRPr lang="ru-RU" dirty="0">
               <a:solidFill>
@@ -6337,7 +7271,7 @@
 </p:sld>
 </file>
 
-<file path=ppt/slides/slide5.xml><?xml version="1.0" encoding="utf-8"?>
+<file path=ppt/slides/slide16.xml><?xml version="1.0" encoding="utf-8"?>
 <p:sld xmlns:a="http://schemas.openxmlformats.org/drawingml/2006/main" xmlns:r="http://schemas.openxmlformats.org/officeDocument/2006/relationships" xmlns:p="http://schemas.openxmlformats.org/presentationml/2006/main">
   <p:cSld>
     <p:spTree>
@@ -6377,7 +7311,7 @@
                 </a:solidFill>
               </a:rPr>
               <a:pPr defTabSz="685800"/>
-              <a:t>5</a:t>
+              <a:t>16</a:t>
             </a:fld>
             <a:endParaRPr lang="ru-RU" dirty="0">
               <a:solidFill>
@@ -6447,7 +7381,7 @@
 </p:sld>
 </file>
 
-<file path=ppt/slides/slide6.xml><?xml version="1.0" encoding="utf-8"?>
+<file path=ppt/slides/slide17.xml><?xml version="1.0" encoding="utf-8"?>
 <p:sld xmlns:a="http://schemas.openxmlformats.org/drawingml/2006/main" xmlns:r="http://schemas.openxmlformats.org/officeDocument/2006/relationships" xmlns:p="http://schemas.openxmlformats.org/presentationml/2006/main">
   <p:cSld>
     <p:spTree>
@@ -6487,7 +7421,7 @@
                 </a:solidFill>
               </a:rPr>
               <a:pPr defTabSz="685800"/>
-              <a:t>6</a:t>
+              <a:t>17</a:t>
             </a:fld>
             <a:endParaRPr lang="ru-RU" dirty="0">
               <a:solidFill>
@@ -6557,7 +7491,7 @@
 </p:sld>
 </file>
 
-<file path=ppt/slides/slide7.xml><?xml version="1.0" encoding="utf-8"?>
+<file path=ppt/slides/slide18.xml><?xml version="1.0" encoding="utf-8"?>
 <p:sld xmlns:a="http://schemas.openxmlformats.org/drawingml/2006/main" xmlns:r="http://schemas.openxmlformats.org/officeDocument/2006/relationships" xmlns:p="http://schemas.openxmlformats.org/presentationml/2006/main">
   <p:cSld>
     <p:spTree>
@@ -6597,7 +7531,7 @@
                 </a:solidFill>
               </a:rPr>
               <a:pPr defTabSz="685800"/>
-              <a:t>7</a:t>
+              <a:t>18</a:t>
             </a:fld>
             <a:endParaRPr lang="ru-RU" dirty="0">
               <a:solidFill>
@@ -6665,7 +7599,7 @@
 </p:sld>
 </file>
 
-<file path=ppt/slides/slide8.xml><?xml version="1.0" encoding="utf-8"?>
+<file path=ppt/slides/slide19.xml><?xml version="1.0" encoding="utf-8"?>
 <p:sld xmlns:a="http://schemas.openxmlformats.org/drawingml/2006/main" xmlns:r="http://schemas.openxmlformats.org/officeDocument/2006/relationships" xmlns:p="http://schemas.openxmlformats.org/presentationml/2006/main">
   <p:cSld>
     <p:spTree>
@@ -6705,7 +7639,7 @@
                 </a:solidFill>
               </a:rPr>
               <a:pPr defTabSz="685800"/>
-              <a:t>8</a:t>
+              <a:t>19</a:t>
             </a:fld>
             <a:endParaRPr lang="ru-RU" dirty="0">
               <a:solidFill>
@@ -6958,7 +7892,254 @@
 </p:sld>
 </file>
 
-<file path=ppt/slides/slide9.xml><?xml version="1.0" encoding="utf-8"?>
+<file path=ppt/slides/slide2.xml><?xml version="1.0" encoding="utf-8"?>
+<p:sld xmlns:a="http://schemas.openxmlformats.org/drawingml/2006/main" xmlns:r="http://schemas.openxmlformats.org/officeDocument/2006/relationships" xmlns:p="http://schemas.openxmlformats.org/presentationml/2006/main">
+  <p:cSld>
+    <p:spTree>
+      <p:nvGrpSpPr>
+        <p:cNvPr id="1" name=""/>
+        <p:cNvGrpSpPr/>
+        <p:nvPr/>
+      </p:nvGrpSpPr>
+      <p:grpSpPr>
+        <a:xfrm>
+          <a:off x="0" y="0"/>
+          <a:ext cx="0" cy="0"/>
+          <a:chOff x="0" y="0"/>
+          <a:chExt cx="0" cy="0"/>
+        </a:xfrm>
+      </p:grpSpPr>
+      <p:sp>
+        <p:nvSpPr>
+          <p:cNvPr id="4" name="Заголовок 1">
+            <a:extLst>
+              <a:ext uri="{FF2B5EF4-FFF2-40B4-BE49-F238E27FC236}">
+                <a16:creationId xmlns:a16="http://schemas.microsoft.com/office/drawing/2014/main" id="{543C3DB7-5F92-4105-A5B5-C66DD9F1575D}"/>
+              </a:ext>
+            </a:extLst>
+          </p:cNvPr>
+          <p:cNvSpPr txBox="1">
+            <a:spLocks/>
+          </p:cNvSpPr>
+          <p:nvPr/>
+        </p:nvSpPr>
+        <p:spPr>
+          <a:xfrm>
+            <a:off x="318086" y="398475"/>
+            <a:ext cx="8087879" cy="560657"/>
+          </a:xfrm>
+          <a:prstGeom prst="rect">
+            <a:avLst/>
+          </a:prstGeom>
+        </p:spPr>
+        <p:txBody>
+          <a:bodyPr lIns="0" tIns="0" rIns="0" bIns="0" anchor="ctr">
+            <a:noAutofit/>
+          </a:bodyPr>
+          <a:lstStyle>
+            <a:lvl1pPr algn="l" defTabSz="1219140" rtl="0" eaLnBrk="1" latinLnBrk="0" hangingPunct="1">
+              <a:lnSpc>
+                <a:spcPct val="90000"/>
+              </a:lnSpc>
+              <a:spcBef>
+                <a:spcPct val="0"/>
+              </a:spcBef>
+              <a:buNone/>
+              <a:defRPr sz="5867" kern="1200">
+                <a:solidFill>
+                  <a:schemeClr val="tx1"/>
+                </a:solidFill>
+                <a:latin typeface="+mj-lt"/>
+                <a:ea typeface="+mj-ea"/>
+                <a:cs typeface="+mj-cs"/>
+              </a:defRPr>
+            </a:lvl1pPr>
+          </a:lstStyle>
+          <a:p>
+            <a:r>
+              <a:rPr lang="ru-RU" sz="4000" b="1" dirty="0"/>
+              <a:t>Элементы функционального программирования</a:t>
+            </a:r>
+          </a:p>
+        </p:txBody>
+      </p:sp>
+      <p:sp>
+        <p:nvSpPr>
+          <p:cNvPr id="6" name="Прямоугольник 5">
+            <a:extLst>
+              <a:ext uri="{FF2B5EF4-FFF2-40B4-BE49-F238E27FC236}">
+                <a16:creationId xmlns:a16="http://schemas.microsoft.com/office/drawing/2014/main" id="{995F9BCF-8286-4660-B35B-945CD7D32812}"/>
+              </a:ext>
+            </a:extLst>
+          </p:cNvPr>
+          <p:cNvSpPr/>
+          <p:nvPr/>
+        </p:nvSpPr>
+        <p:spPr>
+          <a:xfrm>
+            <a:off x="368751" y="1540389"/>
+            <a:ext cx="7986547" cy="2862322"/>
+          </a:xfrm>
+          <a:prstGeom prst="rect">
+            <a:avLst/>
+          </a:prstGeom>
+        </p:spPr>
+        <p:txBody>
+          <a:bodyPr wrap="square">
+            <a:spAutoFit/>
+          </a:bodyPr>
+          <a:lstStyle/>
+          <a:p>
+            <a:pPr marL="342900" indent="-342900">
+              <a:buFont typeface="+mj-lt"/>
+              <a:buAutoNum type="arabicParenR"/>
+            </a:pPr>
+            <a:r>
+              <a:rPr lang="ru-RU" sz="2000" dirty="0"/>
+              <a:t>Функция как объект. Паттерн «Фабрика функций»</a:t>
+            </a:r>
+          </a:p>
+          <a:p>
+            <a:pPr marL="342900" indent="-342900">
+              <a:buFont typeface="+mj-lt"/>
+              <a:buAutoNum type="arabicParenR"/>
+            </a:pPr>
+            <a:r>
+              <a:rPr lang="ru-RU" sz="2000" dirty="0"/>
+              <a:t>Анонимные функции. Сортировка коллекций по ключу</a:t>
+            </a:r>
+          </a:p>
+          <a:p>
+            <a:pPr marL="342900" indent="-342900">
+              <a:buFont typeface="+mj-lt"/>
+              <a:buAutoNum type="arabicParenR"/>
+            </a:pPr>
+            <a:r>
+              <a:rPr lang="ru-RU" sz="2000" dirty="0"/>
+              <a:t>Применение функций </a:t>
+            </a:r>
+            <a:r>
+              <a:rPr lang="ru-RU" sz="2000" dirty="0" err="1"/>
+              <a:t>all</a:t>
+            </a:r>
+            <a:r>
+              <a:rPr lang="ru-RU" sz="2000" dirty="0"/>
+              <a:t> и </a:t>
+            </a:r>
+            <a:r>
+              <a:rPr lang="ru-RU" sz="2000" dirty="0" err="1"/>
+              <a:t>any</a:t>
+            </a:r>
+            <a:endParaRPr lang="ru-RU" sz="2000" dirty="0"/>
+          </a:p>
+          <a:p>
+            <a:pPr marL="342900" indent="-342900">
+              <a:buFont typeface="+mj-lt"/>
+              <a:buAutoNum type="arabicParenR"/>
+            </a:pPr>
+            <a:r>
+              <a:rPr lang="ru-RU" sz="2000" dirty="0"/>
+              <a:t>Функции высшего порядка (</a:t>
+            </a:r>
+            <a:r>
+              <a:rPr lang="ru-RU" sz="2000" dirty="0" err="1"/>
+              <a:t>map</a:t>
+            </a:r>
+            <a:r>
+              <a:rPr lang="ru-RU" sz="2000" dirty="0"/>
+              <a:t>, </a:t>
+            </a:r>
+            <a:r>
+              <a:rPr lang="ru-RU" sz="2000" dirty="0" err="1"/>
+              <a:t>filter</a:t>
+            </a:r>
+            <a:r>
+              <a:rPr lang="ru-RU" sz="2000" dirty="0"/>
+              <a:t>, </a:t>
+            </a:r>
+            <a:r>
+              <a:rPr lang="ru-RU" sz="2000" dirty="0" err="1"/>
+              <a:t>reduce</a:t>
+            </a:r>
+            <a:r>
+              <a:rPr lang="ru-RU" sz="2000" dirty="0"/>
+              <a:t>)</a:t>
+            </a:r>
+          </a:p>
+          <a:p>
+            <a:pPr marL="342900" indent="-342900">
+              <a:buFont typeface="+mj-lt"/>
+              <a:buAutoNum type="arabicParenR"/>
+            </a:pPr>
+            <a:r>
+              <a:rPr lang="ru-RU" sz="2000" dirty="0"/>
+              <a:t>Модуль </a:t>
+            </a:r>
+            <a:r>
+              <a:rPr lang="ru-RU" sz="2000" dirty="0" err="1"/>
+              <a:t>itertools</a:t>
+            </a:r>
+            <a:r>
+              <a:rPr lang="ru-RU" sz="2000" dirty="0"/>
+              <a:t> и комбинаторика</a:t>
+            </a:r>
+          </a:p>
+          <a:p>
+            <a:pPr marL="342900" indent="-342900">
+              <a:buFont typeface="+mj-lt"/>
+              <a:buAutoNum type="arabicParenR"/>
+            </a:pPr>
+            <a:r>
+              <a:rPr lang="ru-RU" sz="2000" dirty="0"/>
+              <a:t>Глобальный и локальный контекст</a:t>
+            </a:r>
+          </a:p>
+          <a:p>
+            <a:pPr marL="342900" indent="-342900">
+              <a:buFont typeface="+mj-lt"/>
+              <a:buAutoNum type="arabicParenR"/>
+            </a:pPr>
+            <a:r>
+              <a:rPr lang="ru-RU" sz="2000" dirty="0"/>
+              <a:t>Замыкания функций</a:t>
+            </a:r>
+          </a:p>
+          <a:p>
+            <a:pPr marL="342900" indent="-342900">
+              <a:buFont typeface="+mj-lt"/>
+              <a:buAutoNum type="arabicParenR"/>
+            </a:pPr>
+            <a:r>
+              <a:rPr lang="ru-RU" sz="2000" dirty="0"/>
+              <a:t>Декораторы функций</a:t>
+            </a:r>
+          </a:p>
+          <a:p>
+            <a:pPr marL="342900" indent="-342900">
+              <a:buFont typeface="+mj-lt"/>
+              <a:buAutoNum type="arabicParenR"/>
+            </a:pPr>
+            <a:r>
+              <a:rPr lang="ru-RU" sz="2000" dirty="0"/>
+              <a:t> Встроенные декораторы*</a:t>
+            </a:r>
+          </a:p>
+        </p:txBody>
+      </p:sp>
+    </p:spTree>
+    <p:extLst>
+      <p:ext uri="{BB962C8B-B14F-4D97-AF65-F5344CB8AC3E}">
+        <p14:creationId xmlns:p14="http://schemas.microsoft.com/office/powerpoint/2010/main" val="237218521"/>
+      </p:ext>
+    </p:extLst>
+  </p:cSld>
+  <p:clrMapOvr>
+    <a:masterClrMapping/>
+  </p:clrMapOvr>
+</p:sld>
+</file>
+
+<file path=ppt/slides/slide20.xml><?xml version="1.0" encoding="utf-8"?>
 <p:sld xmlns:a="http://schemas.openxmlformats.org/drawingml/2006/main" xmlns:r="http://schemas.openxmlformats.org/officeDocument/2006/relationships" xmlns:p="http://schemas.openxmlformats.org/presentationml/2006/main">
   <p:cSld>
     <p:spTree>
@@ -7237,6 +8418,1581 @@
         <p14:creationId xmlns:p14="http://schemas.microsoft.com/office/powerpoint/2010/main" val="1405911375"/>
       </p:ext>
     </p:extLst>
+  </p:cSld>
+  <p:clrMapOvr>
+    <a:masterClrMapping/>
+  </p:clrMapOvr>
+</p:sld>
+</file>
+
+<file path=ppt/slides/slide3.xml><?xml version="1.0" encoding="utf-8"?>
+<p:sld xmlns:a="http://schemas.openxmlformats.org/drawingml/2006/main" xmlns:r="http://schemas.openxmlformats.org/officeDocument/2006/relationships" xmlns:p="http://schemas.openxmlformats.org/presentationml/2006/main">
+  <p:cSld>
+    <p:spTree>
+      <p:nvGrpSpPr>
+        <p:cNvPr id="1" name=""/>
+        <p:cNvGrpSpPr/>
+        <p:nvPr/>
+      </p:nvGrpSpPr>
+      <p:grpSpPr>
+        <a:xfrm>
+          <a:off x="0" y="0"/>
+          <a:ext cx="0" cy="0"/>
+          <a:chOff x="0" y="0"/>
+          <a:chExt cx="0" cy="0"/>
+        </a:xfrm>
+      </p:grpSpPr>
+      <p:sp>
+        <p:nvSpPr>
+          <p:cNvPr id="2" name="Заголовок 1"/>
+          <p:cNvSpPr>
+            <a:spLocks noGrp="1"/>
+          </p:cNvSpPr>
+          <p:nvPr>
+            <p:ph type="title"/>
+          </p:nvPr>
+        </p:nvSpPr>
+        <p:spPr/>
+        <p:txBody>
+          <a:bodyPr/>
+          <a:lstStyle/>
+          <a:p>
+            <a:r>
+              <a:rPr lang="ru-RU" dirty="0"/>
+              <a:t>Области видимости переменных</a:t>
+            </a:r>
+          </a:p>
+        </p:txBody>
+      </p:sp>
+      <p:sp>
+        <p:nvSpPr>
+          <p:cNvPr id="3" name="Содержимое 2"/>
+          <p:cNvSpPr>
+            <a:spLocks noGrp="1"/>
+          </p:cNvSpPr>
+          <p:nvPr>
+            <p:ph idx="1"/>
+          </p:nvPr>
+        </p:nvSpPr>
+        <p:spPr>
+          <a:xfrm>
+            <a:off x="194928" y="715008"/>
+            <a:ext cx="7093574" cy="4428492"/>
+          </a:xfrm>
+        </p:spPr>
+        <p:txBody>
+          <a:bodyPr>
+            <a:normAutofit fontScale="92500" lnSpcReduction="10000"/>
+          </a:bodyPr>
+          <a:lstStyle/>
+          <a:p>
+            <a:pPr marL="270000" indent="-270000">
+              <a:lnSpc>
+                <a:spcPct val="90000"/>
+              </a:lnSpc>
+              <a:spcAft>
+                <a:spcPts val="900"/>
+              </a:spcAft>
+            </a:pPr>
+            <a:r>
+              <a:rPr lang="ru-RU" sz="2100" dirty="0"/>
+              <a:t>В </a:t>
+            </a:r>
+            <a:r>
+              <a:rPr lang="ru-RU" sz="2100" b="1" dirty="0" err="1"/>
+              <a:t>Python</a:t>
+            </a:r>
+            <a:r>
+              <a:rPr lang="ru-RU" sz="2100" dirty="0"/>
+              <a:t> три базовых области видимости переменных:</a:t>
+            </a:r>
+          </a:p>
+          <a:p>
+            <a:pPr marL="810000" lvl="1" indent="-270000">
+              <a:lnSpc>
+                <a:spcPct val="90000"/>
+              </a:lnSpc>
+              <a:spcAft>
+                <a:spcPts val="900"/>
+              </a:spcAft>
+            </a:pPr>
+            <a:r>
+              <a:rPr lang="ru-RU" sz="1800" dirty="0"/>
+              <a:t>Глобальная</a:t>
+            </a:r>
+          </a:p>
+          <a:p>
+            <a:pPr marL="810000" lvl="1" indent="-270000">
+              <a:lnSpc>
+                <a:spcPct val="90000"/>
+              </a:lnSpc>
+              <a:spcAft>
+                <a:spcPts val="900"/>
+              </a:spcAft>
+            </a:pPr>
+            <a:r>
+              <a:rPr lang="ru-RU" sz="1800" dirty="0"/>
+              <a:t>Локальная</a:t>
+            </a:r>
+            <a:endParaRPr lang="en-US" sz="1800" dirty="0"/>
+          </a:p>
+          <a:p>
+            <a:pPr marL="810000" lvl="1" indent="-270000">
+              <a:lnSpc>
+                <a:spcPct val="90000"/>
+              </a:lnSpc>
+              <a:spcAft>
+                <a:spcPts val="900"/>
+              </a:spcAft>
+            </a:pPr>
+            <a:r>
+              <a:rPr lang="ru-RU" sz="1800" dirty="0"/>
+              <a:t>Нелокальная</a:t>
+            </a:r>
+          </a:p>
+          <a:p>
+            <a:pPr marL="270000" indent="-270000">
+              <a:lnSpc>
+                <a:spcPct val="90000"/>
+              </a:lnSpc>
+              <a:spcAft>
+                <a:spcPts val="900"/>
+              </a:spcAft>
+            </a:pPr>
+            <a:r>
+              <a:rPr lang="ru-RU" sz="2100" dirty="0"/>
+              <a:t>Переменные, объявленные </a:t>
+            </a:r>
+            <a:r>
+              <a:rPr lang="ru-RU" sz="2100" b="1" dirty="0">
+                <a:solidFill>
+                  <a:srgbClr val="FF0000"/>
+                </a:solidFill>
+              </a:rPr>
+              <a:t>внутри</a:t>
+            </a:r>
+            <a:r>
+              <a:rPr lang="ru-RU" sz="2100" dirty="0"/>
+              <a:t> тела функции, имеют локальную область видимости, а объявленные </a:t>
+            </a:r>
+            <a:r>
+              <a:rPr lang="ru-RU" sz="2100" b="1" dirty="0">
+                <a:solidFill>
+                  <a:srgbClr val="FF0000"/>
+                </a:solidFill>
+              </a:rPr>
+              <a:t>вне</a:t>
+            </a:r>
+            <a:r>
+              <a:rPr lang="ru-RU" sz="2100" dirty="0"/>
+              <a:t> тела функции, имеют глобальную область видимости.</a:t>
+            </a:r>
+          </a:p>
+          <a:p>
+            <a:pPr marL="270000" indent="-270000">
+              <a:lnSpc>
+                <a:spcPct val="90000"/>
+              </a:lnSpc>
+              <a:spcAft>
+                <a:spcPts val="900"/>
+              </a:spcAft>
+            </a:pPr>
+            <a:r>
+              <a:rPr lang="ru-RU" sz="2100" dirty="0"/>
+              <a:t>Доступ к локальным переменным имеют только те функции, внутри которых они были объявлены, а доступ к глобальным переменным можно получить по всей программе в любой функции.</a:t>
+            </a:r>
+          </a:p>
+          <a:p>
+            <a:pPr marL="270000" indent="-270000">
+              <a:lnSpc>
+                <a:spcPct val="90000"/>
+              </a:lnSpc>
+              <a:spcAft>
+                <a:spcPts val="900"/>
+              </a:spcAft>
+            </a:pPr>
+            <a:r>
+              <a:rPr lang="ru-RU" sz="2100" dirty="0"/>
+              <a:t>По умолчанию все имена, присваивание которым производится внутри функций, являются </a:t>
+            </a:r>
+            <a:r>
+              <a:rPr lang="ru-RU" sz="2100" b="1" dirty="0">
+                <a:solidFill>
+                  <a:srgbClr val="FF0000"/>
+                </a:solidFill>
+              </a:rPr>
+              <a:t>локальными</a:t>
+            </a:r>
+            <a:r>
+              <a:rPr lang="ru-RU" sz="2100" dirty="0"/>
+              <a:t> для этих функций и существуют только во время их выполнения.</a:t>
+            </a:r>
+          </a:p>
+          <a:p>
+            <a:pPr lvl="2">
+              <a:lnSpc>
+                <a:spcPct val="90000"/>
+              </a:lnSpc>
+              <a:spcAft>
+                <a:spcPts val="900"/>
+              </a:spcAft>
+              <a:buNone/>
+            </a:pPr>
+            <a:endParaRPr lang="ru-RU" sz="1500" dirty="0"/>
+          </a:p>
+        </p:txBody>
+      </p:sp>
+      <p:sp>
+        <p:nvSpPr>
+          <p:cNvPr id="4" name="Номер слайда 3"/>
+          <p:cNvSpPr>
+            <a:spLocks noGrp="1"/>
+          </p:cNvSpPr>
+          <p:nvPr>
+            <p:ph type="sldNum" sz="quarter" idx="12"/>
+          </p:nvPr>
+        </p:nvSpPr>
+        <p:spPr/>
+        <p:txBody>
+          <a:bodyPr/>
+          <a:lstStyle/>
+          <a:p>
+            <a:fld id="{725C68B6-61C2-468F-89AB-4B9F7531AA68}" type="slidenum">
+              <a:rPr lang="ru-RU" smtClean="0"/>
+              <a:pPr/>
+              <a:t>3</a:t>
+            </a:fld>
+            <a:endParaRPr lang="ru-RU"/>
+          </a:p>
+        </p:txBody>
+      </p:sp>
+    </p:spTree>
+  </p:cSld>
+  <p:clrMapOvr>
+    <a:masterClrMapping/>
+  </p:clrMapOvr>
+</p:sld>
+</file>
+
+<file path=ppt/slides/slide4.xml><?xml version="1.0" encoding="utf-8"?>
+<p:sld xmlns:a="http://schemas.openxmlformats.org/drawingml/2006/main" xmlns:r="http://schemas.openxmlformats.org/officeDocument/2006/relationships" xmlns:p="http://schemas.openxmlformats.org/presentationml/2006/main">
+  <p:cSld>
+    <p:spTree>
+      <p:nvGrpSpPr>
+        <p:cNvPr id="1" name=""/>
+        <p:cNvGrpSpPr/>
+        <p:nvPr/>
+      </p:nvGrpSpPr>
+      <p:grpSpPr>
+        <a:xfrm>
+          <a:off x="0" y="0"/>
+          <a:ext cx="0" cy="0"/>
+          <a:chOff x="0" y="0"/>
+          <a:chExt cx="0" cy="0"/>
+        </a:xfrm>
+      </p:grpSpPr>
+      <p:sp>
+        <p:nvSpPr>
+          <p:cNvPr id="2" name="Заголовок 1"/>
+          <p:cNvSpPr>
+            <a:spLocks noGrp="1"/>
+          </p:cNvSpPr>
+          <p:nvPr>
+            <p:ph type="title"/>
+          </p:nvPr>
+        </p:nvSpPr>
+        <p:spPr>
+          <a:xfrm>
+            <a:off x="209550" y="195486"/>
+            <a:ext cx="7791450" cy="465516"/>
+          </a:xfrm>
+        </p:spPr>
+        <p:txBody>
+          <a:bodyPr/>
+          <a:lstStyle/>
+          <a:p>
+            <a:r>
+              <a:rPr lang="ru-RU" dirty="0"/>
+              <a:t>Пример локальных и глобальных переменных</a:t>
+            </a:r>
+          </a:p>
+        </p:txBody>
+      </p:sp>
+      <p:sp>
+        <p:nvSpPr>
+          <p:cNvPr id="3" name="Содержимое 2"/>
+          <p:cNvSpPr>
+            <a:spLocks noGrp="1"/>
+          </p:cNvSpPr>
+          <p:nvPr>
+            <p:ph idx="1"/>
+          </p:nvPr>
+        </p:nvSpPr>
+        <p:spPr>
+          <a:xfrm>
+            <a:off x="307014" y="1650306"/>
+            <a:ext cx="7596522" cy="3726414"/>
+          </a:xfrm>
+        </p:spPr>
+        <p:txBody>
+          <a:bodyPr/>
+          <a:lstStyle/>
+          <a:p>
+            <a:pPr>
+              <a:buNone/>
+            </a:pPr>
+            <a:r>
+              <a:rPr lang="en-US" sz="2100" b="1" i="1" dirty="0"/>
+              <a:t>t = 20</a:t>
+            </a:r>
+            <a:br>
+              <a:rPr lang="en-US" sz="2100" b="1" i="1" dirty="0"/>
+            </a:br>
+            <a:r>
+              <a:rPr lang="en-US" sz="2100" b="1" i="1" dirty="0"/>
+              <a:t>def glob():</a:t>
+            </a:r>
+            <a:br>
+              <a:rPr lang="en-US" sz="2100" b="1" i="1" dirty="0"/>
+            </a:br>
+            <a:r>
+              <a:rPr lang="en-US" sz="2100" b="1" i="1" dirty="0"/>
+              <a:t>    print(t)  	</a:t>
+            </a:r>
+            <a:r>
+              <a:rPr lang="en-US" sz="2100" b="1" i="1" dirty="0">
+                <a:solidFill>
+                  <a:srgbClr val="00B050"/>
+                </a:solidFill>
+              </a:rPr>
+              <a:t># </a:t>
+            </a:r>
+            <a:r>
+              <a:rPr lang="ru-RU" sz="2100" b="1" i="1" dirty="0">
+                <a:solidFill>
+                  <a:srgbClr val="00B050"/>
+                </a:solidFill>
+              </a:rPr>
+              <a:t>Печатаем глобальную переменную </a:t>
+            </a:r>
+            <a:r>
+              <a:rPr lang="en-US" sz="2100" b="1" i="1" dirty="0">
+                <a:solidFill>
+                  <a:srgbClr val="00B050"/>
+                </a:solidFill>
+              </a:rPr>
+              <a:t>t</a:t>
+            </a:r>
+            <a:br>
+              <a:rPr lang="en-US" sz="2100" b="1" i="1" dirty="0">
+                <a:solidFill>
+                  <a:srgbClr val="00B050"/>
+                </a:solidFill>
+              </a:rPr>
+            </a:br>
+            <a:endParaRPr lang="en-US" sz="2100" b="1" i="1" dirty="0">
+              <a:solidFill>
+                <a:srgbClr val="00B050"/>
+              </a:solidFill>
+            </a:endParaRPr>
+          </a:p>
+          <a:p>
+            <a:pPr>
+              <a:buNone/>
+            </a:pPr>
+            <a:r>
+              <a:rPr lang="en-US" sz="2100" b="1" i="1" dirty="0"/>
+              <a:t>def loc():</a:t>
+            </a:r>
+            <a:br>
+              <a:rPr lang="en-US" sz="2100" b="1" i="1" dirty="0"/>
+            </a:br>
+            <a:r>
+              <a:rPr lang="en-US" sz="2100" b="1" i="1" dirty="0"/>
+              <a:t>    t = 22  	</a:t>
+            </a:r>
+            <a:r>
+              <a:rPr lang="en-US" sz="2100" b="1" i="1" dirty="0">
+                <a:solidFill>
+                  <a:srgbClr val="00B050"/>
+                </a:solidFill>
+              </a:rPr>
+              <a:t># </a:t>
+            </a:r>
+            <a:r>
+              <a:rPr lang="ru-RU" sz="2100" b="1" i="1" dirty="0">
+                <a:solidFill>
+                  <a:srgbClr val="00B050"/>
+                </a:solidFill>
+              </a:rPr>
+              <a:t>Создаем локальную переменную </a:t>
+            </a:r>
+            <a:r>
+              <a:rPr lang="en-US" sz="2100" b="1" i="1" dirty="0">
+                <a:solidFill>
+                  <a:srgbClr val="00B050"/>
+                </a:solidFill>
+              </a:rPr>
+              <a:t>t</a:t>
+            </a:r>
+            <a:br>
+              <a:rPr lang="en-US" sz="2100" b="1" i="1" dirty="0"/>
+            </a:br>
+            <a:r>
+              <a:rPr lang="en-US" sz="2100" b="1" i="1" dirty="0"/>
+              <a:t>    print(t) 	</a:t>
+            </a:r>
+            <a:r>
+              <a:rPr lang="en-US" sz="2100" b="1" i="1" dirty="0">
+                <a:solidFill>
+                  <a:srgbClr val="00B050"/>
+                </a:solidFill>
+              </a:rPr>
+              <a:t># </a:t>
+            </a:r>
+            <a:r>
+              <a:rPr lang="ru-RU" sz="2100" b="1" i="1" dirty="0">
+                <a:solidFill>
+                  <a:srgbClr val="00B050"/>
+                </a:solidFill>
+              </a:rPr>
+              <a:t>Печатаем локальную переменную </a:t>
+            </a:r>
+            <a:r>
+              <a:rPr lang="en-US" sz="2100" b="1" i="1" dirty="0">
+                <a:solidFill>
+                  <a:srgbClr val="00B050"/>
+                </a:solidFill>
+              </a:rPr>
+              <a:t>t</a:t>
+            </a:r>
+            <a:br>
+              <a:rPr lang="en-US" sz="2100" b="1" i="1" dirty="0"/>
+            </a:br>
+            <a:endParaRPr lang="en-US" sz="2100" b="1" i="1" dirty="0"/>
+          </a:p>
+          <a:p>
+            <a:pPr>
+              <a:buNone/>
+            </a:pPr>
+            <a:r>
+              <a:rPr lang="en-US" sz="2100" b="1" i="1" dirty="0"/>
+              <a:t>glob()  	</a:t>
+            </a:r>
+            <a:r>
+              <a:rPr lang="en-US" sz="2100" b="1" i="1" dirty="0">
+                <a:solidFill>
+                  <a:srgbClr val="00B050"/>
+                </a:solidFill>
+              </a:rPr>
+              <a:t># </a:t>
+            </a:r>
+            <a:r>
+              <a:rPr lang="ru-RU" sz="2100" b="1" i="1" dirty="0">
+                <a:solidFill>
+                  <a:srgbClr val="00B050"/>
+                </a:solidFill>
+              </a:rPr>
+              <a:t>напечатает 20</a:t>
+            </a:r>
+            <a:br>
+              <a:rPr lang="ru-RU" sz="2100" b="1" i="1" dirty="0"/>
+            </a:br>
+            <a:r>
+              <a:rPr lang="en-US" sz="2100" b="1" i="1" dirty="0"/>
+              <a:t>loc()  	</a:t>
+            </a:r>
+            <a:r>
+              <a:rPr lang="en-US" sz="2100" b="1" i="1" dirty="0">
+                <a:solidFill>
+                  <a:srgbClr val="00B050"/>
+                </a:solidFill>
+              </a:rPr>
+              <a:t># </a:t>
+            </a:r>
+            <a:r>
+              <a:rPr lang="ru-RU" sz="2100" b="1" i="1" dirty="0">
+                <a:solidFill>
+                  <a:srgbClr val="00B050"/>
+                </a:solidFill>
+              </a:rPr>
+              <a:t>напечатает 22</a:t>
+            </a:r>
+          </a:p>
+        </p:txBody>
+      </p:sp>
+      <p:sp>
+        <p:nvSpPr>
+          <p:cNvPr id="4" name="Номер слайда 3"/>
+          <p:cNvSpPr>
+            <a:spLocks noGrp="1"/>
+          </p:cNvSpPr>
+          <p:nvPr>
+            <p:ph type="sldNum" sz="quarter" idx="12"/>
+          </p:nvPr>
+        </p:nvSpPr>
+        <p:spPr/>
+        <p:txBody>
+          <a:bodyPr/>
+          <a:lstStyle/>
+          <a:p>
+            <a:fld id="{725C68B6-61C2-468F-89AB-4B9F7531AA68}" type="slidenum">
+              <a:rPr lang="ru-RU" smtClean="0"/>
+              <a:pPr/>
+              <a:t>4</a:t>
+            </a:fld>
+            <a:endParaRPr lang="ru-RU"/>
+          </a:p>
+        </p:txBody>
+      </p:sp>
+    </p:spTree>
+  </p:cSld>
+  <p:clrMapOvr>
+    <a:masterClrMapping/>
+  </p:clrMapOvr>
+</p:sld>
+</file>
+
+<file path=ppt/slides/slide5.xml><?xml version="1.0" encoding="utf-8"?>
+<p:sld xmlns:a="http://schemas.openxmlformats.org/drawingml/2006/main" xmlns:r="http://schemas.openxmlformats.org/officeDocument/2006/relationships" xmlns:p="http://schemas.openxmlformats.org/presentationml/2006/main">
+  <p:cSld>
+    <p:spTree>
+      <p:nvGrpSpPr>
+        <p:cNvPr id="1" name=""/>
+        <p:cNvGrpSpPr/>
+        <p:nvPr/>
+      </p:nvGrpSpPr>
+      <p:grpSpPr>
+        <a:xfrm>
+          <a:off x="0" y="0"/>
+          <a:ext cx="0" cy="0"/>
+          <a:chOff x="0" y="0"/>
+          <a:chExt cx="0" cy="0"/>
+        </a:xfrm>
+      </p:grpSpPr>
+      <p:sp>
+        <p:nvSpPr>
+          <p:cNvPr id="2" name="Заголовок 1"/>
+          <p:cNvSpPr>
+            <a:spLocks noGrp="1"/>
+          </p:cNvSpPr>
+          <p:nvPr>
+            <p:ph type="title"/>
+          </p:nvPr>
+        </p:nvSpPr>
+        <p:spPr/>
+        <p:txBody>
+          <a:bodyPr/>
+          <a:lstStyle/>
+          <a:p>
+            <a:r>
+              <a:rPr lang="ru-RU" sz="3150" dirty="0"/>
+              <a:t>Изменение глобальных переменных</a:t>
+            </a:r>
+          </a:p>
+        </p:txBody>
+      </p:sp>
+      <p:sp>
+        <p:nvSpPr>
+          <p:cNvPr id="3" name="Содержимое 2"/>
+          <p:cNvSpPr>
+            <a:spLocks noGrp="1"/>
+          </p:cNvSpPr>
+          <p:nvPr>
+            <p:ph idx="1"/>
+          </p:nvPr>
+        </p:nvSpPr>
+        <p:spPr>
+          <a:xfrm>
+            <a:off x="107504" y="1175538"/>
+            <a:ext cx="8928992" cy="4158462"/>
+          </a:xfrm>
+        </p:spPr>
+        <p:txBody>
+          <a:bodyPr/>
+          <a:lstStyle/>
+          <a:p>
+            <a:pPr marL="270000" indent="-270000"/>
+            <a:r>
+              <a:rPr lang="ru-RU" sz="2400" dirty="0"/>
+              <a:t>Изменить глобальную переменную внутри функции нельзя, если она не задана с помощью ключевого слова </a:t>
+            </a:r>
+            <a:r>
+              <a:rPr lang="en-US" sz="2400" b="1" i="1" dirty="0"/>
+              <a:t>global.</a:t>
+            </a:r>
+            <a:endParaRPr lang="ru-RU" sz="2400" b="1" i="1" dirty="0"/>
+          </a:p>
+          <a:p>
+            <a:pPr marL="270000" indent="-270000"/>
+            <a:endParaRPr lang="en-US" sz="2400" b="1" i="1" dirty="0"/>
+          </a:p>
+          <a:p>
+            <a:pPr marL="270000" indent="-270000">
+              <a:buNone/>
+            </a:pPr>
+            <a:r>
+              <a:rPr lang="en-US" sz="2400" b="1" i="1" dirty="0"/>
+              <a:t>t = 20</a:t>
+            </a:r>
+          </a:p>
+          <a:p>
+            <a:pPr marL="270000" indent="-270000">
+              <a:buNone/>
+            </a:pPr>
+            <a:r>
+              <a:rPr lang="en-US" sz="2400" b="1" i="1" dirty="0"/>
+              <a:t>def glob():</a:t>
+            </a:r>
+          </a:p>
+          <a:p>
+            <a:pPr marL="270000" indent="-270000">
+              <a:buNone/>
+            </a:pPr>
+            <a:r>
+              <a:rPr lang="en-US" sz="2400" b="1" i="1" dirty="0"/>
+              <a:t>	global t 	</a:t>
+            </a:r>
+            <a:r>
+              <a:rPr lang="en-US" sz="2400" b="1" i="1" dirty="0">
+                <a:solidFill>
+                  <a:srgbClr val="00B050"/>
+                </a:solidFill>
+              </a:rPr>
+              <a:t># </a:t>
+            </a:r>
+            <a:r>
+              <a:rPr lang="ru-RU" sz="2400" b="1" i="1" dirty="0">
+                <a:solidFill>
+                  <a:srgbClr val="00B050"/>
+                </a:solidFill>
+              </a:rPr>
+              <a:t>доступ к глобальной переменной </a:t>
+            </a:r>
+            <a:r>
+              <a:rPr lang="en-US" sz="2400" b="1" i="1" dirty="0">
+                <a:solidFill>
+                  <a:srgbClr val="00B050"/>
+                </a:solidFill>
+              </a:rPr>
+              <a:t>t</a:t>
+            </a:r>
+            <a:br>
+              <a:rPr lang="en-US" sz="2400" b="1" i="1" dirty="0">
+                <a:solidFill>
+                  <a:srgbClr val="00B050"/>
+                </a:solidFill>
+              </a:rPr>
+            </a:br>
+            <a:r>
+              <a:rPr lang="en-US" sz="2400" b="1" i="1" dirty="0"/>
+              <a:t>t+=1</a:t>
+            </a:r>
+            <a:br>
+              <a:rPr lang="en-US" sz="2400" b="1" i="1" dirty="0"/>
+            </a:br>
+            <a:r>
+              <a:rPr lang="en-US" sz="2400" b="1" i="1" dirty="0"/>
+              <a:t>print(t)  	</a:t>
+            </a:r>
+            <a:r>
+              <a:rPr lang="en-US" sz="2400" b="1" i="1" dirty="0">
+                <a:solidFill>
+                  <a:srgbClr val="00B050"/>
+                </a:solidFill>
+              </a:rPr>
+              <a:t># </a:t>
+            </a:r>
+            <a:r>
+              <a:rPr lang="ru-RU" sz="2400" b="1" i="1" dirty="0">
+                <a:solidFill>
+                  <a:srgbClr val="00B050"/>
+                </a:solidFill>
+              </a:rPr>
+              <a:t>Печатаем глобальную переменную </a:t>
+            </a:r>
+            <a:r>
+              <a:rPr lang="en-US" sz="2400" b="1" i="1" dirty="0">
+                <a:solidFill>
+                  <a:srgbClr val="00B050"/>
+                </a:solidFill>
+              </a:rPr>
+              <a:t>t</a:t>
+            </a:r>
+          </a:p>
+          <a:p>
+            <a:pPr marL="270000" indent="-270000">
+              <a:buNone/>
+            </a:pPr>
+            <a:r>
+              <a:rPr lang="en-US" sz="2400" b="1" i="1" dirty="0"/>
+              <a:t>glob()  	</a:t>
+            </a:r>
+            <a:r>
+              <a:rPr lang="en-US" sz="2400" b="1" i="1" dirty="0">
+                <a:solidFill>
+                  <a:srgbClr val="00B050"/>
+                </a:solidFill>
+              </a:rPr>
+              <a:t># </a:t>
+            </a:r>
+            <a:r>
+              <a:rPr lang="ru-RU" sz="2400" b="1" i="1" dirty="0">
+                <a:solidFill>
+                  <a:srgbClr val="00B050"/>
+                </a:solidFill>
+              </a:rPr>
+              <a:t>напечатает 2</a:t>
+            </a:r>
+            <a:r>
+              <a:rPr lang="en-US" sz="2400" b="1" i="1" dirty="0">
+                <a:solidFill>
+                  <a:srgbClr val="00B050"/>
+                </a:solidFill>
+              </a:rPr>
+              <a:t>1</a:t>
+            </a:r>
+            <a:endParaRPr lang="ru-RU" sz="2400" b="1" i="1" dirty="0">
+              <a:solidFill>
+                <a:srgbClr val="00B050"/>
+              </a:solidFill>
+            </a:endParaRPr>
+          </a:p>
+        </p:txBody>
+      </p:sp>
+      <p:sp>
+        <p:nvSpPr>
+          <p:cNvPr id="4" name="Номер слайда 3"/>
+          <p:cNvSpPr>
+            <a:spLocks noGrp="1"/>
+          </p:cNvSpPr>
+          <p:nvPr>
+            <p:ph type="sldNum" sz="quarter" idx="12"/>
+          </p:nvPr>
+        </p:nvSpPr>
+        <p:spPr/>
+        <p:txBody>
+          <a:bodyPr/>
+          <a:lstStyle/>
+          <a:p>
+            <a:fld id="{725C68B6-61C2-468F-89AB-4B9F7531AA68}" type="slidenum">
+              <a:rPr lang="ru-RU" smtClean="0"/>
+              <a:pPr/>
+              <a:t>5</a:t>
+            </a:fld>
+            <a:endParaRPr lang="ru-RU"/>
+          </a:p>
+        </p:txBody>
+      </p:sp>
+    </p:spTree>
+  </p:cSld>
+  <p:clrMapOvr>
+    <a:masterClrMapping/>
+  </p:clrMapOvr>
+</p:sld>
+</file>
+
+<file path=ppt/slides/slide6.xml><?xml version="1.0" encoding="utf-8"?>
+<p:sld xmlns:a="http://schemas.openxmlformats.org/drawingml/2006/main" xmlns:r="http://schemas.openxmlformats.org/officeDocument/2006/relationships" xmlns:p="http://schemas.openxmlformats.org/presentationml/2006/main">
+  <p:cSld>
+    <p:spTree>
+      <p:nvGrpSpPr>
+        <p:cNvPr id="1" name=""/>
+        <p:cNvGrpSpPr/>
+        <p:nvPr/>
+      </p:nvGrpSpPr>
+      <p:grpSpPr>
+        <a:xfrm>
+          <a:off x="0" y="0"/>
+          <a:ext cx="0" cy="0"/>
+          <a:chOff x="0" y="0"/>
+          <a:chExt cx="0" cy="0"/>
+        </a:xfrm>
+      </p:grpSpPr>
+      <p:sp>
+        <p:nvSpPr>
+          <p:cNvPr id="2" name="Заголовок 1"/>
+          <p:cNvSpPr>
+            <a:spLocks noGrp="1"/>
+          </p:cNvSpPr>
+          <p:nvPr>
+            <p:ph type="title"/>
+          </p:nvPr>
+        </p:nvSpPr>
+        <p:spPr/>
+        <p:txBody>
+          <a:bodyPr/>
+          <a:lstStyle/>
+          <a:p>
+            <a:r>
+              <a:rPr lang="en-US" dirty="0"/>
+              <a:t>nonlocal</a:t>
+            </a:r>
+            <a:endParaRPr lang="ru-RU" dirty="0"/>
+          </a:p>
+        </p:txBody>
+      </p:sp>
+      <p:sp>
+        <p:nvSpPr>
+          <p:cNvPr id="3" name="Содержимое 2"/>
+          <p:cNvSpPr>
+            <a:spLocks noGrp="1"/>
+          </p:cNvSpPr>
+          <p:nvPr>
+            <p:ph idx="1"/>
+          </p:nvPr>
+        </p:nvSpPr>
+        <p:spPr>
+          <a:xfrm>
+            <a:off x="276225" y="1002153"/>
+            <a:ext cx="8238855" cy="4482498"/>
+          </a:xfrm>
+        </p:spPr>
+        <p:txBody>
+          <a:bodyPr>
+            <a:normAutofit/>
+          </a:bodyPr>
+          <a:lstStyle/>
+          <a:p>
+            <a:r>
+              <a:rPr lang="ru-RU" sz="1500" dirty="0"/>
+              <a:t>В </a:t>
+            </a:r>
+            <a:r>
+              <a:rPr lang="ru-RU" sz="1500" dirty="0" err="1"/>
+              <a:t>Python</a:t>
+            </a:r>
+            <a:r>
+              <a:rPr lang="ru-RU" sz="1500" dirty="0"/>
+              <a:t> 3 было добавлено новое ключевое слово под названием </a:t>
+            </a:r>
+            <a:r>
+              <a:rPr lang="ru-RU" sz="1500" b="1" i="1" dirty="0" err="1"/>
+              <a:t>nonlocal</a:t>
+            </a:r>
+            <a:r>
+              <a:rPr lang="ru-RU" sz="1500" dirty="0"/>
+              <a:t>. С его помощью возможно добавлять переопределение области во внутреннюю область. дополнительно см. </a:t>
+            </a:r>
+            <a:r>
+              <a:rPr lang="ru-RU" sz="1500" b="1" dirty="0"/>
+              <a:t>PEP 3104</a:t>
+            </a:r>
+            <a:r>
+              <a:rPr lang="ru-RU" sz="1500" dirty="0"/>
+              <a:t>.</a:t>
+            </a:r>
+          </a:p>
+          <a:p>
+            <a:endParaRPr lang="ru-RU" sz="1500" dirty="0"/>
+          </a:p>
+          <a:p>
+            <a:pPr>
+              <a:lnSpc>
+                <a:spcPct val="100000"/>
+              </a:lnSpc>
+            </a:pPr>
+            <a:r>
+              <a:rPr lang="ru-RU" sz="1500" b="1" dirty="0" err="1"/>
+              <a:t>nonlocal</a:t>
+            </a:r>
+            <a:r>
+              <a:rPr lang="ru-RU" sz="1500" dirty="0"/>
+              <a:t> позволяет назначать переменные во </a:t>
+            </a:r>
+            <a:r>
+              <a:rPr lang="ru-RU" sz="1500" b="1" dirty="0"/>
+              <a:t>внешней области</a:t>
+            </a:r>
+            <a:r>
+              <a:rPr lang="ru-RU" sz="1500" dirty="0"/>
+              <a:t>, но не в глобальной.</a:t>
+            </a:r>
+          </a:p>
+          <a:p>
+            <a:pPr>
+              <a:lnSpc>
+                <a:spcPct val="100000"/>
+              </a:lnSpc>
+            </a:pPr>
+            <a:endParaRPr lang="ru-RU" sz="1500" dirty="0"/>
+          </a:p>
+          <a:p>
+            <a:pPr>
+              <a:buNone/>
+            </a:pPr>
+            <a:r>
+              <a:rPr lang="en-US" sz="1500" b="1" i="1" dirty="0"/>
+              <a:t>def counter():</a:t>
+            </a:r>
+            <a:r>
+              <a:rPr lang="ru-RU" sz="1500" b="1" i="1" dirty="0"/>
+              <a:t> </a:t>
+            </a:r>
+            <a:br>
+              <a:rPr lang="en-US" sz="1500" b="1" i="1" dirty="0"/>
+            </a:br>
+            <a:r>
+              <a:rPr lang="en-US" sz="1500" b="1" i="1" dirty="0"/>
+              <a:t>    num = 0</a:t>
+            </a:r>
+            <a:br>
+              <a:rPr lang="en-US" sz="1500" b="1" i="1" dirty="0"/>
+            </a:br>
+            <a:r>
+              <a:rPr lang="en-US" sz="1500" b="1" i="1" dirty="0"/>
+              <a:t>    def </a:t>
+            </a:r>
+            <a:r>
+              <a:rPr lang="en-US" sz="1500" b="1" i="1" dirty="0" err="1"/>
+              <a:t>incrementer</a:t>
+            </a:r>
+            <a:r>
+              <a:rPr lang="en-US" sz="1500" b="1" i="1" dirty="0"/>
+              <a:t>():</a:t>
+            </a:r>
+            <a:br>
+              <a:rPr lang="en-US" sz="1500" b="1" i="1" dirty="0"/>
+            </a:br>
+            <a:r>
+              <a:rPr lang="en-US" sz="1500" b="1" i="1" dirty="0"/>
+              <a:t>        num += 1</a:t>
+            </a:r>
+            <a:r>
+              <a:rPr lang="ru-RU" sz="1500" b="1" i="1" dirty="0"/>
+              <a:t>	</a:t>
+            </a:r>
+            <a:r>
+              <a:rPr lang="en-US" sz="1500" b="1" i="1" dirty="0">
+                <a:solidFill>
+                  <a:srgbClr val="00B050"/>
+                </a:solidFill>
+              </a:rPr>
+              <a:t>#</a:t>
+            </a:r>
+            <a:r>
+              <a:rPr lang="ru-RU" sz="1500" b="1" i="1" dirty="0">
+                <a:solidFill>
+                  <a:srgbClr val="00B050"/>
+                </a:solidFill>
+              </a:rPr>
+              <a:t> Неправильно!</a:t>
+            </a:r>
+            <a:br>
+              <a:rPr lang="en-US" sz="1500" b="1" i="1" dirty="0"/>
+            </a:br>
+            <a:r>
+              <a:rPr lang="en-US" sz="1500" b="1" i="1" dirty="0"/>
+              <a:t>        return num</a:t>
+            </a:r>
+            <a:br>
+              <a:rPr lang="en-US" sz="1500" b="1" i="1" dirty="0"/>
+            </a:br>
+            <a:r>
+              <a:rPr lang="en-US" sz="1500" b="1" i="1" dirty="0"/>
+              <a:t>    return </a:t>
+            </a:r>
+            <a:r>
+              <a:rPr lang="en-US" sz="1500" b="1" i="1" dirty="0" err="1"/>
+              <a:t>incrementer</a:t>
+            </a:r>
+            <a:endParaRPr lang="ru-RU" sz="1500" b="1" i="1" dirty="0"/>
+          </a:p>
+          <a:p>
+            <a:pPr>
+              <a:buNone/>
+            </a:pPr>
+            <a:r>
+              <a:rPr lang="pt-BR" sz="1500" b="1" i="1" dirty="0"/>
+              <a:t>def counter():</a:t>
+            </a:r>
+            <a:br>
+              <a:rPr lang="pt-BR" sz="1500" b="1" i="1" dirty="0"/>
+            </a:br>
+            <a:r>
+              <a:rPr lang="pt-BR" sz="1500" b="1" i="1" dirty="0"/>
+              <a:t>    num = 0</a:t>
+            </a:r>
+            <a:br>
+              <a:rPr lang="pt-BR" sz="1500" b="1" i="1" dirty="0"/>
+            </a:br>
+            <a:r>
+              <a:rPr lang="pt-BR" sz="1500" b="1" i="1" dirty="0"/>
+              <a:t>    def incrementer():</a:t>
+            </a:r>
+            <a:br>
+              <a:rPr lang="pt-BR" sz="1500" b="1" i="1" dirty="0"/>
+            </a:br>
+            <a:r>
+              <a:rPr lang="pt-BR" sz="1500" b="1" i="1" dirty="0"/>
+              <a:t>        nonlocal num</a:t>
+            </a:r>
+            <a:r>
+              <a:rPr lang="ru-RU" sz="1500" b="1" i="1" dirty="0"/>
+              <a:t> </a:t>
+            </a:r>
+            <a:r>
+              <a:rPr lang="en-US" sz="1500" b="1" i="1" dirty="0">
+                <a:solidFill>
+                  <a:srgbClr val="FF0000"/>
+                </a:solidFill>
+              </a:rPr>
+              <a:t>#</a:t>
+            </a:r>
+            <a:r>
+              <a:rPr lang="ru-RU" sz="1500" b="1" i="1" dirty="0">
+                <a:solidFill>
+                  <a:srgbClr val="FF0000"/>
+                </a:solidFill>
+              </a:rPr>
+              <a:t> Правильно! </a:t>
+            </a:r>
+            <a:br>
+              <a:rPr lang="pt-BR" sz="1500" b="1" i="1" dirty="0"/>
+            </a:br>
+            <a:r>
+              <a:rPr lang="pt-BR" sz="1500" b="1" i="1" dirty="0"/>
+              <a:t>        num += 1</a:t>
+            </a:r>
+            <a:br>
+              <a:rPr lang="pt-BR" sz="1500" b="1" i="1" dirty="0"/>
+            </a:br>
+            <a:r>
+              <a:rPr lang="pt-BR" sz="1500" b="1" i="1" dirty="0"/>
+              <a:t>        return num</a:t>
+            </a:r>
+            <a:br>
+              <a:rPr lang="pt-BR" sz="1500" b="1" i="1" dirty="0"/>
+            </a:br>
+            <a:r>
+              <a:rPr lang="pt-BR" sz="1500" b="1" i="1" dirty="0"/>
+              <a:t>    return incrementer</a:t>
+            </a:r>
+            <a:endParaRPr lang="ru-RU" sz="1500" b="1" i="1" dirty="0"/>
+          </a:p>
+        </p:txBody>
+      </p:sp>
+      <p:sp>
+        <p:nvSpPr>
+          <p:cNvPr id="4" name="Номер слайда 3"/>
+          <p:cNvSpPr>
+            <a:spLocks noGrp="1"/>
+          </p:cNvSpPr>
+          <p:nvPr>
+            <p:ph type="sldNum" sz="quarter" idx="12"/>
+          </p:nvPr>
+        </p:nvSpPr>
+        <p:spPr/>
+        <p:txBody>
+          <a:bodyPr/>
+          <a:lstStyle/>
+          <a:p>
+            <a:fld id="{725C68B6-61C2-468F-89AB-4B9F7531AA68}" type="slidenum">
+              <a:rPr lang="ru-RU" smtClean="0"/>
+              <a:pPr/>
+              <a:t>6</a:t>
+            </a:fld>
+            <a:endParaRPr lang="ru-RU"/>
+          </a:p>
+        </p:txBody>
+      </p:sp>
+    </p:spTree>
+  </p:cSld>
+  <p:clrMapOvr>
+    <a:masterClrMapping/>
+  </p:clrMapOvr>
+</p:sld>
+</file>
+
+<file path=ppt/slides/slide7.xml><?xml version="1.0" encoding="utf-8"?>
+<p:sld xmlns:a="http://schemas.openxmlformats.org/drawingml/2006/main" xmlns:r="http://schemas.openxmlformats.org/officeDocument/2006/relationships" xmlns:p="http://schemas.openxmlformats.org/presentationml/2006/main">
+  <p:cSld>
+    <p:spTree>
+      <p:nvGrpSpPr>
+        <p:cNvPr id="1" name=""/>
+        <p:cNvGrpSpPr/>
+        <p:nvPr/>
+      </p:nvGrpSpPr>
+      <p:grpSpPr>
+        <a:xfrm>
+          <a:off x="0" y="0"/>
+          <a:ext cx="0" cy="0"/>
+          <a:chOff x="0" y="0"/>
+          <a:chExt cx="0" cy="0"/>
+        </a:xfrm>
+      </p:grpSpPr>
+      <p:sp>
+        <p:nvSpPr>
+          <p:cNvPr id="2" name="Заголовок 1"/>
+          <p:cNvSpPr>
+            <a:spLocks noGrp="1"/>
+          </p:cNvSpPr>
+          <p:nvPr>
+            <p:ph type="title"/>
+          </p:nvPr>
+        </p:nvSpPr>
+        <p:spPr>
+          <a:xfrm>
+            <a:off x="107504" y="323850"/>
+            <a:ext cx="8928992" cy="465516"/>
+          </a:xfrm>
+        </p:spPr>
+        <p:txBody>
+          <a:bodyPr/>
+          <a:lstStyle/>
+          <a:p>
+            <a:r>
+              <a:rPr lang="ru-RU" b="1" dirty="0"/>
+              <a:t>Функции высших порядков</a:t>
+            </a:r>
+          </a:p>
+        </p:txBody>
+      </p:sp>
+      <p:sp>
+        <p:nvSpPr>
+          <p:cNvPr id="3" name="Содержимое 2"/>
+          <p:cNvSpPr>
+            <a:spLocks noGrp="1"/>
+          </p:cNvSpPr>
+          <p:nvPr>
+            <p:ph idx="1"/>
+          </p:nvPr>
+        </p:nvSpPr>
+        <p:spPr>
+          <a:xfrm>
+            <a:off x="107504" y="1068828"/>
+            <a:ext cx="8928992" cy="4158462"/>
+          </a:xfrm>
+        </p:spPr>
+        <p:txBody>
+          <a:bodyPr/>
+          <a:lstStyle/>
+          <a:p>
+            <a:r>
+              <a:rPr lang="ru-RU" sz="2700" dirty="0"/>
+              <a:t>При функциональном стиле программирования стандартной практикой является </a:t>
+            </a:r>
+            <a:r>
+              <a:rPr lang="ru-RU" sz="2700" b="1" i="1" dirty="0"/>
+              <a:t>динамическая генерация</a:t>
+            </a:r>
+            <a:r>
+              <a:rPr lang="ru-RU" sz="2700" dirty="0"/>
+              <a:t> функционального объекта в процессе исполнения кода, с его последующим вызовом в том же коде.</a:t>
+            </a:r>
+          </a:p>
+          <a:p>
+            <a:r>
+              <a:rPr lang="ru-RU" sz="2700" b="1" dirty="0"/>
+              <a:t>Замыкание</a:t>
+            </a:r>
+            <a:r>
+              <a:rPr lang="en-US" sz="2700" b="1" dirty="0"/>
+              <a:t> (closure)</a:t>
+            </a:r>
+            <a:endParaRPr lang="ru-RU" sz="2700" b="1" dirty="0"/>
+          </a:p>
+          <a:p>
+            <a:r>
+              <a:rPr lang="ru-RU" sz="2700" b="1" dirty="0"/>
+              <a:t>Частичное применение</a:t>
+            </a:r>
+            <a:r>
+              <a:rPr lang="en-US" sz="2700" b="1" dirty="0"/>
+              <a:t> (partial application)</a:t>
+            </a:r>
+          </a:p>
+          <a:p>
+            <a:r>
+              <a:rPr lang="ru-RU" sz="2700" b="1" dirty="0" err="1"/>
+              <a:t>Карринг</a:t>
+            </a:r>
+            <a:r>
+              <a:rPr lang="en-US" sz="2700" b="1" dirty="0"/>
+              <a:t> (carrying)</a:t>
+            </a:r>
+          </a:p>
+          <a:p>
+            <a:r>
+              <a:rPr lang="ru-RU" sz="2700" b="1" dirty="0"/>
+              <a:t>Функтор</a:t>
+            </a:r>
+          </a:p>
+          <a:p>
+            <a:endParaRPr lang="ru-RU" sz="2700" b="1" dirty="0"/>
+          </a:p>
+          <a:p>
+            <a:endParaRPr lang="ru-RU" sz="2700" b="1" dirty="0"/>
+          </a:p>
+          <a:p>
+            <a:endParaRPr lang="ru-RU" sz="2700" dirty="0"/>
+          </a:p>
+        </p:txBody>
+      </p:sp>
+      <p:sp>
+        <p:nvSpPr>
+          <p:cNvPr id="4" name="Номер слайда 3"/>
+          <p:cNvSpPr>
+            <a:spLocks noGrp="1"/>
+          </p:cNvSpPr>
+          <p:nvPr>
+            <p:ph type="sldNum" sz="quarter" idx="12"/>
+          </p:nvPr>
+        </p:nvSpPr>
+        <p:spPr/>
+        <p:txBody>
+          <a:bodyPr/>
+          <a:lstStyle/>
+          <a:p>
+            <a:fld id="{725C68B6-61C2-468F-89AB-4B9F7531AA68}" type="slidenum">
+              <a:rPr lang="ru-RU" smtClean="0"/>
+              <a:pPr/>
+              <a:t>7</a:t>
+            </a:fld>
+            <a:endParaRPr lang="ru-RU"/>
+          </a:p>
+        </p:txBody>
+      </p:sp>
+    </p:spTree>
+  </p:cSld>
+  <p:clrMapOvr>
+    <a:masterClrMapping/>
+  </p:clrMapOvr>
+</p:sld>
+</file>
+
+<file path=ppt/slides/slide8.xml><?xml version="1.0" encoding="utf-8"?>
+<p:sld xmlns:a="http://schemas.openxmlformats.org/drawingml/2006/main" xmlns:r="http://schemas.openxmlformats.org/officeDocument/2006/relationships" xmlns:p="http://schemas.openxmlformats.org/presentationml/2006/main">
+  <p:cSld>
+    <p:spTree>
+      <p:nvGrpSpPr>
+        <p:cNvPr id="1" name=""/>
+        <p:cNvGrpSpPr/>
+        <p:nvPr/>
+      </p:nvGrpSpPr>
+      <p:grpSpPr>
+        <a:xfrm>
+          <a:off x="0" y="0"/>
+          <a:ext cx="0" cy="0"/>
+          <a:chOff x="0" y="0"/>
+          <a:chExt cx="0" cy="0"/>
+        </a:xfrm>
+      </p:grpSpPr>
+      <p:sp>
+        <p:nvSpPr>
+          <p:cNvPr id="2" name="Заголовок 1"/>
+          <p:cNvSpPr>
+            <a:spLocks noGrp="1"/>
+          </p:cNvSpPr>
+          <p:nvPr>
+            <p:ph type="title"/>
+          </p:nvPr>
+        </p:nvSpPr>
+        <p:spPr/>
+        <p:txBody>
+          <a:bodyPr/>
+          <a:lstStyle/>
+          <a:p>
+            <a:r>
+              <a:rPr lang="ru-RU" sz="3600" b="1" dirty="0"/>
+              <a:t>Замыкания</a:t>
+            </a:r>
+            <a:r>
+              <a:rPr lang="en-US" sz="3600" b="1" dirty="0"/>
+              <a:t> (closure)</a:t>
+            </a:r>
+            <a:endParaRPr lang="ru-RU" sz="3600" b="1" dirty="0"/>
+          </a:p>
+        </p:txBody>
+      </p:sp>
+      <p:sp>
+        <p:nvSpPr>
+          <p:cNvPr id="3" name="Содержимое 2"/>
+          <p:cNvSpPr>
+            <a:spLocks noGrp="1"/>
+          </p:cNvSpPr>
+          <p:nvPr>
+            <p:ph idx="1"/>
+          </p:nvPr>
+        </p:nvSpPr>
+        <p:spPr>
+          <a:xfrm>
+            <a:off x="0" y="745458"/>
+            <a:ext cx="7704856" cy="4158462"/>
+          </a:xfrm>
+        </p:spPr>
+        <p:txBody>
+          <a:bodyPr>
+            <a:normAutofit fontScale="92500" lnSpcReduction="10000"/>
+          </a:bodyPr>
+          <a:lstStyle/>
+          <a:p>
+            <a:pPr marL="270000" indent="-270000"/>
+            <a:r>
+              <a:rPr lang="ru-RU" b="1" dirty="0"/>
+              <a:t>Замыкание</a:t>
+            </a:r>
+            <a:r>
+              <a:rPr lang="ru-RU" dirty="0"/>
+              <a:t> – это функция, которая динамически генерируется другой функцией, и они обе могут изменяться и запоминать значения переменных, которые были созданы вне функции.</a:t>
+            </a:r>
+          </a:p>
+          <a:p>
+            <a:pPr marL="270000" indent="-270000"/>
+            <a:r>
+              <a:rPr lang="ru-RU" dirty="0"/>
+              <a:t>Дэвид </a:t>
+            </a:r>
+            <a:r>
+              <a:rPr lang="ru-RU" dirty="0" err="1"/>
+              <a:t>Мертц</a:t>
+            </a:r>
+            <a:r>
+              <a:rPr lang="ru-RU" dirty="0"/>
+              <a:t> приводит следующее определение замыкания: "</a:t>
+            </a:r>
+            <a:r>
+              <a:rPr lang="ru-RU" b="1" i="1" dirty="0"/>
+              <a:t>Замыкание</a:t>
+            </a:r>
+            <a:r>
+              <a:rPr lang="ru-RU" dirty="0"/>
+              <a:t> – это процедура вместе с привязанной к ней совокупностью данных" (в противовес объектам в объектном программировании, как: "данные вместе с привязанным к ним совокупностью процедур").</a:t>
+            </a:r>
+          </a:p>
+          <a:p>
+            <a:pPr marL="270000" indent="-270000"/>
+            <a:r>
+              <a:rPr lang="ru-RU" dirty="0"/>
+              <a:t>Замыкание – это более общий случай декоратора.</a:t>
+            </a:r>
+          </a:p>
+        </p:txBody>
+      </p:sp>
+      <p:sp>
+        <p:nvSpPr>
+          <p:cNvPr id="4" name="Номер слайда 3"/>
+          <p:cNvSpPr>
+            <a:spLocks noGrp="1"/>
+          </p:cNvSpPr>
+          <p:nvPr>
+            <p:ph type="sldNum" sz="quarter" idx="12"/>
+          </p:nvPr>
+        </p:nvSpPr>
+        <p:spPr/>
+        <p:txBody>
+          <a:bodyPr/>
+          <a:lstStyle/>
+          <a:p>
+            <a:fld id="{725C68B6-61C2-468F-89AB-4B9F7531AA68}" type="slidenum">
+              <a:rPr lang="ru-RU" smtClean="0"/>
+              <a:pPr/>
+              <a:t>8</a:t>
+            </a:fld>
+            <a:endParaRPr lang="ru-RU"/>
+          </a:p>
+        </p:txBody>
+      </p:sp>
+    </p:spTree>
+  </p:cSld>
+  <p:clrMapOvr>
+    <a:masterClrMapping/>
+  </p:clrMapOvr>
+</p:sld>
+</file>
+
+<file path=ppt/slides/slide9.xml><?xml version="1.0" encoding="utf-8"?>
+<p:sld xmlns:a="http://schemas.openxmlformats.org/drawingml/2006/main" xmlns:r="http://schemas.openxmlformats.org/officeDocument/2006/relationships" xmlns:p="http://schemas.openxmlformats.org/presentationml/2006/main">
+  <p:cSld>
+    <p:spTree>
+      <p:nvGrpSpPr>
+        <p:cNvPr id="1" name=""/>
+        <p:cNvGrpSpPr/>
+        <p:nvPr/>
+      </p:nvGrpSpPr>
+      <p:grpSpPr>
+        <a:xfrm>
+          <a:off x="0" y="0"/>
+          <a:ext cx="0" cy="0"/>
+          <a:chOff x="0" y="0"/>
+          <a:chExt cx="0" cy="0"/>
+        </a:xfrm>
+      </p:grpSpPr>
+      <p:sp>
+        <p:nvSpPr>
+          <p:cNvPr id="2" name="Заголовок 1"/>
+          <p:cNvSpPr>
+            <a:spLocks noGrp="1"/>
+          </p:cNvSpPr>
+          <p:nvPr>
+            <p:ph type="title"/>
+          </p:nvPr>
+        </p:nvSpPr>
+        <p:spPr>
+          <a:xfrm>
+            <a:off x="107504" y="200025"/>
+            <a:ext cx="8928992" cy="465516"/>
+          </a:xfrm>
+        </p:spPr>
+        <p:txBody>
+          <a:bodyPr/>
+          <a:lstStyle/>
+          <a:p>
+            <a:r>
+              <a:rPr lang="ru-RU" sz="3600" b="1" dirty="0"/>
+              <a:t>Смысл замыкания</a:t>
+            </a:r>
+          </a:p>
+        </p:txBody>
+      </p:sp>
+      <p:sp>
+        <p:nvSpPr>
+          <p:cNvPr id="3" name="Содержимое 2"/>
+          <p:cNvSpPr>
+            <a:spLocks noGrp="1"/>
+          </p:cNvSpPr>
+          <p:nvPr>
+            <p:ph idx="1"/>
+          </p:nvPr>
+        </p:nvSpPr>
+        <p:spPr>
+          <a:xfrm>
+            <a:off x="1" y="882258"/>
+            <a:ext cx="8928992" cy="4158462"/>
+          </a:xfrm>
+        </p:spPr>
+        <p:txBody>
+          <a:bodyPr>
+            <a:normAutofit fontScale="92500"/>
+          </a:bodyPr>
+          <a:lstStyle/>
+          <a:p>
+            <a:pPr>
+              <a:spcAft>
+                <a:spcPts val="900"/>
+              </a:spcAft>
+            </a:pPr>
+            <a:r>
+              <a:rPr lang="ru-RU" sz="2700" dirty="0"/>
+              <a:t>Применение замыкания позволяет</a:t>
+            </a:r>
+            <a:r>
+              <a:rPr lang="en-US" sz="2700" dirty="0"/>
+              <a:t> </a:t>
+            </a:r>
+            <a:endParaRPr lang="ru-RU" sz="2700" dirty="0"/>
+          </a:p>
+          <a:p>
+            <a:pPr lvl="1">
+              <a:spcAft>
+                <a:spcPts val="900"/>
+              </a:spcAft>
+            </a:pPr>
+            <a:r>
+              <a:rPr lang="ru-RU" sz="2100" dirty="0"/>
+              <a:t>устранить жестко кодированные константы; </a:t>
+            </a:r>
+          </a:p>
+          <a:p>
+            <a:pPr lvl="1">
+              <a:spcAft>
+                <a:spcPts val="900"/>
+              </a:spcAft>
+            </a:pPr>
+            <a:r>
+              <a:rPr lang="ru-RU" sz="2100" dirty="0"/>
+              <a:t>убрать глобальные переменные из кода;</a:t>
+            </a:r>
+          </a:p>
+          <a:p>
+            <a:pPr lvl="1">
+              <a:spcAft>
+                <a:spcPts val="900"/>
+              </a:spcAft>
+            </a:pPr>
+            <a:r>
+              <a:rPr lang="ru-RU" sz="2100" dirty="0"/>
+              <a:t>увеличить производительность (В </a:t>
+            </a:r>
+            <a:r>
+              <a:rPr lang="ru-RU" sz="2100" dirty="0" err="1"/>
+              <a:t>Python</a:t>
+            </a:r>
+            <a:r>
+              <a:rPr lang="ru-RU" sz="2100" dirty="0"/>
+              <a:t> загрузка переменных в SCOPE (локальную область) сравнительно долгий процесс).</a:t>
+            </a:r>
+          </a:p>
+          <a:p>
+            <a:pPr>
+              <a:spcAft>
+                <a:spcPts val="900"/>
+              </a:spcAft>
+            </a:pPr>
+            <a:r>
+              <a:rPr lang="ru-RU" sz="2700" dirty="0"/>
+              <a:t>Замкнутые переменные доступны только для чтения. </a:t>
+            </a:r>
+            <a:endParaRPr lang="en-US" sz="2700" dirty="0"/>
+          </a:p>
+          <a:p>
+            <a:pPr>
+              <a:spcAft>
+                <a:spcPts val="900"/>
+              </a:spcAft>
+            </a:pPr>
+            <a:r>
+              <a:rPr lang="ru-RU" sz="2700" dirty="0"/>
+              <a:t>Чтобы обойти это ограничение, нужно замыкать переменные в изменяемые переменные, например, в список. </a:t>
+            </a:r>
+            <a:endParaRPr lang="en-US" sz="2700" dirty="0"/>
+          </a:p>
+          <a:p>
+            <a:pPr>
+              <a:spcAft>
+                <a:spcPts val="900"/>
+              </a:spcAft>
+            </a:pPr>
+            <a:r>
+              <a:rPr lang="ru-RU" sz="2700" dirty="0"/>
+              <a:t>Сами замкнутые переменные нельзя будет перезаписывать, а вот содержимое контейнера возможно.</a:t>
+            </a:r>
+          </a:p>
+          <a:p>
+            <a:pPr>
+              <a:spcAft>
+                <a:spcPts val="900"/>
+              </a:spcAft>
+            </a:pPr>
+            <a:endParaRPr lang="ru-RU" sz="2700" dirty="0"/>
+          </a:p>
+        </p:txBody>
+      </p:sp>
+      <p:sp>
+        <p:nvSpPr>
+          <p:cNvPr id="4" name="Номер слайда 3"/>
+          <p:cNvSpPr>
+            <a:spLocks noGrp="1"/>
+          </p:cNvSpPr>
+          <p:nvPr>
+            <p:ph type="sldNum" sz="quarter" idx="12"/>
+          </p:nvPr>
+        </p:nvSpPr>
+        <p:spPr/>
+        <p:txBody>
+          <a:bodyPr/>
+          <a:lstStyle/>
+          <a:p>
+            <a:fld id="{725C68B6-61C2-468F-89AB-4B9F7531AA68}" type="slidenum">
+              <a:rPr lang="ru-RU" smtClean="0"/>
+              <a:pPr/>
+              <a:t>9</a:t>
+            </a:fld>
+            <a:endParaRPr lang="ru-RU"/>
+          </a:p>
+        </p:txBody>
+      </p:sp>
+    </p:spTree>
   </p:cSld>
   <p:clrMapOvr>
     <a:masterClrMapping/>
